--- a/lecture/Lecture3.pptx
+++ b/lecture/Lecture3.pptx
@@ -1,6 +1,6 @@
 
 <file path=ppt/presentation.xml><?xml version="1.0" encoding="utf-8"?>
-<p:presentation xmlns:a="http://schemas.openxmlformats.org/drawingml/2006/main" xmlns:r="http://schemas.openxmlformats.org/officeDocument/2006/relationships" xmlns:mc="http://schemas.openxmlformats.org/markup-compatibility/2006" xmlns:mv="urn:schemas-microsoft-com:mac:vml" xmlns:p="http://schemas.openxmlformats.org/presentationml/2006/main" xmlns:c="http://schemas.openxmlformats.org/drawingml/2006/chart" xmlns:dgm="http://schemas.openxmlformats.org/drawingml/2006/diagram" xmlns:o="urn:schemas-microsoft-com:office:office" xmlns:v="urn:schemas-microsoft-com:vml" xmlns:pvml="urn:schemas-microsoft-com:office:powerpoint" xmlns:com="http://schemas.openxmlformats.org/drawingml/2006/compatibility" xmlns:p14="http://schemas.microsoft.com/office/powerpoint/2010/main" xmlns:p15="http://schemas.microsoft.com/office/powerpoint/2012/main" xmlns:ahyp="http://schemas.microsoft.com/office/drawing/2018/hyperlinkcolor" autoCompressPictures="0" embedTrueTypeFonts="1" strictFirstAndLastChars="0" saveSubsetFonts="1">
+<p:presentation xmlns:a="http://schemas.openxmlformats.org/drawingml/2006/main" xmlns:r="http://schemas.openxmlformats.org/officeDocument/2006/relationships" xmlns:mc="http://schemas.openxmlformats.org/markup-compatibility/2006" xmlns:mv="urn:schemas-microsoft-com:mac:vml" xmlns:p="http://schemas.openxmlformats.org/presentationml/2006/main" xmlns:c="http://schemas.openxmlformats.org/drawingml/2006/chart" xmlns:dgm="http://schemas.openxmlformats.org/drawingml/2006/diagram" xmlns:o="urn:schemas-microsoft-com:office:office" xmlns:v="urn:schemas-microsoft-com:vml" xmlns:pvml="urn:schemas-microsoft-com:office:powerpoint" xmlns:com="http://schemas.openxmlformats.org/drawingml/2006/compatibility" xmlns:p14="http://schemas.microsoft.com/office/powerpoint/2010/main" xmlns:p15="http://schemas.microsoft.com/office/powerpoint/2012/main" xmlns:ahyp="http://schemas.microsoft.com/office/drawing/2018/hyperlinkcolor" autoCompressPictures="0" strictFirstAndLastChars="0" saveSubsetFonts="1">
   <p:sldMasterIdLst>
     <p:sldMasterId id="2147483659" r:id="rId4"/>
   </p:sldMasterIdLst>
@@ -23,25 +23,13 @@
     <p:sldId id="268" r:id="rId18"/>
     <p:sldId id="269" r:id="rId19"/>
     <p:sldId id="270" r:id="rId20"/>
+    <p:sldId id="271" r:id="rId21"/>
+    <p:sldId id="272" r:id="rId22"/>
+    <p:sldId id="273" r:id="rId23"/>
+    <p:sldId id="274" r:id="rId24"/>
   </p:sldIdLst>
   <p:sldSz cy="5143500" cx="9144000"/>
   <p:notesSz cx="6858000" cy="9144000"/>
-  <p:embeddedFontLst>
-    <p:embeddedFont>
-      <p:font typeface="Economica"/>
-      <p:regular r:id="rId21"/>
-      <p:bold r:id="rId22"/>
-      <p:italic r:id="rId23"/>
-      <p:boldItalic r:id="rId24"/>
-    </p:embeddedFont>
-    <p:embeddedFont>
-      <p:font typeface="Open Sans"/>
-      <p:regular r:id="rId25"/>
-      <p:bold r:id="rId26"/>
-      <p:italic r:id="rId27"/>
-      <p:boldItalic r:id="rId28"/>
-    </p:embeddedFont>
-  </p:embeddedFontLst>
   <p:defaultTextStyle>
     <a:defPPr lvl="0" marR="0" rtl="0" algn="l">
       <a:lnSpc>
@@ -820,7 +808,7 @@
   <p:cSld>
     <p:spTree>
       <p:nvGrpSpPr>
-        <p:cNvPr id="114" name="Shape 114"/>
+        <p:cNvPr id="115" name="Shape 115"/>
         <p:cNvGrpSpPr/>
         <p:nvPr/>
       </p:nvGrpSpPr>
@@ -834,7 +822,7 @@
       </p:grpSpPr>
       <p:sp>
         <p:nvSpPr>
-          <p:cNvPr id="115" name="Google Shape;115;g3b1793da03f_0_30:notes"/>
+          <p:cNvPr id="116" name="Google Shape;116;g3af3cde95ce_0_73:notes"/>
           <p:cNvSpPr/>
           <p:nvPr>
             <p:ph idx="2" type="sldImg"/>
@@ -869,7 +857,7 @@
       </p:sp>
       <p:sp>
         <p:nvSpPr>
-          <p:cNvPr id="116" name="Google Shape;116;g3b1793da03f_0_30:notes"/>
+          <p:cNvPr id="117" name="Google Shape;117;g3af3cde95ce_0_73:notes"/>
           <p:cNvSpPr txBox="1"/>
           <p:nvPr>
             <p:ph idx="1" type="body"/>
@@ -919,7 +907,7 @@
   <p:cSld>
     <p:spTree>
       <p:nvGrpSpPr>
-        <p:cNvPr id="120" name="Shape 120"/>
+        <p:cNvPr id="121" name="Shape 121"/>
         <p:cNvGrpSpPr/>
         <p:nvPr/>
       </p:nvGrpSpPr>
@@ -933,7 +921,7 @@
       </p:grpSpPr>
       <p:sp>
         <p:nvSpPr>
-          <p:cNvPr id="121" name="Google Shape;121;g3b1793da03f_0_36:notes"/>
+          <p:cNvPr id="122" name="Google Shape;122;g3b32c761136_0_0:notes"/>
           <p:cNvSpPr/>
           <p:nvPr>
             <p:ph idx="2" type="sldImg"/>
@@ -968,7 +956,7 @@
       </p:sp>
       <p:sp>
         <p:nvSpPr>
-          <p:cNvPr id="122" name="Google Shape;122;g3b1793da03f_0_36:notes"/>
+          <p:cNvPr id="123" name="Google Shape;123;g3b32c761136_0_0:notes"/>
           <p:cNvSpPr txBox="1"/>
           <p:nvPr>
             <p:ph idx="1" type="body"/>
@@ -1018,7 +1006,7 @@
   <p:cSld>
     <p:spTree>
       <p:nvGrpSpPr>
-        <p:cNvPr id="126" name="Shape 126"/>
+        <p:cNvPr id="129" name="Shape 129"/>
         <p:cNvGrpSpPr/>
         <p:nvPr/>
       </p:nvGrpSpPr>
@@ -1032,7 +1020,7 @@
       </p:grpSpPr>
       <p:sp>
         <p:nvSpPr>
-          <p:cNvPr id="127" name="Google Shape;127;g3b1793da03f_0_42:notes"/>
+          <p:cNvPr id="130" name="Google Shape;130;g3b32c761136_0_8:notes"/>
           <p:cNvSpPr/>
           <p:nvPr>
             <p:ph idx="2" type="sldImg"/>
@@ -1067,7 +1055,7 @@
       </p:sp>
       <p:sp>
         <p:nvSpPr>
-          <p:cNvPr id="128" name="Google Shape;128;g3b1793da03f_0_42:notes"/>
+          <p:cNvPr id="131" name="Google Shape;131;g3b32c761136_0_8:notes"/>
           <p:cNvSpPr txBox="1"/>
           <p:nvPr>
             <p:ph idx="1" type="body"/>
@@ -1117,7 +1105,7 @@
   <p:cSld>
     <p:spTree>
       <p:nvGrpSpPr>
-        <p:cNvPr id="135" name="Shape 135"/>
+        <p:cNvPr id="136" name="Shape 136"/>
         <p:cNvGrpSpPr/>
         <p:nvPr/>
       </p:nvGrpSpPr>
@@ -1131,7 +1119,7 @@
       </p:grpSpPr>
       <p:sp>
         <p:nvSpPr>
-          <p:cNvPr id="136" name="Google Shape;136;g3af3cde95ce_0_83:notes"/>
+          <p:cNvPr id="137" name="Google Shape;137;g3b1793da03f_0_30:notes"/>
           <p:cNvSpPr/>
           <p:nvPr>
             <p:ph idx="2" type="sldImg"/>
@@ -1166,7 +1154,7 @@
       </p:sp>
       <p:sp>
         <p:nvSpPr>
-          <p:cNvPr id="137" name="Google Shape;137;g3af3cde95ce_0_83:notes"/>
+          <p:cNvPr id="138" name="Google Shape;138;g3b1793da03f_0_30:notes"/>
           <p:cNvSpPr txBox="1"/>
           <p:nvPr>
             <p:ph idx="1" type="body"/>
@@ -1216,7 +1204,7 @@
   <p:cSld>
     <p:spTree>
       <p:nvGrpSpPr>
-        <p:cNvPr id="192" name="Shape 192"/>
+        <p:cNvPr id="142" name="Shape 142"/>
         <p:cNvGrpSpPr/>
         <p:nvPr/>
       </p:nvGrpSpPr>
@@ -1230,7 +1218,7 @@
       </p:grpSpPr>
       <p:sp>
         <p:nvSpPr>
-          <p:cNvPr id="193" name="Google Shape;193;g3b1793da03f_0_159:notes"/>
+          <p:cNvPr id="143" name="Google Shape;143;g3b1793da03f_0_36:notes"/>
           <p:cNvSpPr/>
           <p:nvPr>
             <p:ph idx="2" type="sldImg"/>
@@ -1265,7 +1253,7 @@
       </p:sp>
       <p:sp>
         <p:nvSpPr>
-          <p:cNvPr id="194" name="Google Shape;194;g3b1793da03f_0_159:notes"/>
+          <p:cNvPr id="144" name="Google Shape;144;g3b1793da03f_0_36:notes"/>
           <p:cNvSpPr txBox="1"/>
           <p:nvPr>
             <p:ph idx="1" type="body"/>
@@ -1315,7 +1303,7 @@
   <p:cSld>
     <p:spTree>
       <p:nvGrpSpPr>
-        <p:cNvPr id="205" name="Shape 205"/>
+        <p:cNvPr id="148" name="Shape 148"/>
         <p:cNvGrpSpPr/>
         <p:nvPr/>
       </p:nvGrpSpPr>
@@ -1329,7 +1317,7 @@
       </p:grpSpPr>
       <p:sp>
         <p:nvSpPr>
-          <p:cNvPr id="206" name="Google Shape;206;g3af3cde95ce_0_88:notes"/>
+          <p:cNvPr id="149" name="Google Shape;149;g3b32c761136_0_17:notes"/>
           <p:cNvSpPr/>
           <p:nvPr>
             <p:ph idx="2" type="sldImg"/>
@@ -1364,7 +1352,403 @@
       </p:sp>
       <p:sp>
         <p:nvSpPr>
-          <p:cNvPr id="207" name="Google Shape;207;g3af3cde95ce_0_88:notes"/>
+          <p:cNvPr id="150" name="Google Shape;150;g3b32c761136_0_17:notes"/>
+          <p:cNvSpPr txBox="1"/>
+          <p:nvPr>
+            <p:ph idx="1" type="body"/>
+          </p:nvPr>
+        </p:nvSpPr>
+        <p:spPr>
+          <a:xfrm>
+            <a:off x="685800" y="4343400"/>
+            <a:ext cx="5486400" cy="4114800"/>
+          </a:xfrm>
+          <a:prstGeom prst="rect">
+            <a:avLst/>
+          </a:prstGeom>
+        </p:spPr>
+        <p:txBody>
+          <a:bodyPr anchorCtr="0" anchor="t" bIns="91425" lIns="91425" spcFirstLastPara="1" rIns="91425" wrap="square" tIns="91425">
+            <a:noAutofit/>
+          </a:bodyPr>
+          <a:lstStyle/>
+          <a:p>
+            <a:pPr indent="0" lvl="0" marL="0" rtl="0" algn="l">
+              <a:spcBef>
+                <a:spcPts val="0"/>
+              </a:spcBef>
+              <a:spcAft>
+                <a:spcPts val="0"/>
+              </a:spcAft>
+              <a:buNone/>
+            </a:pPr>
+            <a:r>
+              <a:t/>
+            </a:r>
+            <a:endParaRPr/>
+          </a:p>
+        </p:txBody>
+      </p:sp>
+    </p:spTree>
+  </p:cSld>
+  <p:clrMapOvr>
+    <a:masterClrMapping/>
+  </p:clrMapOvr>
+</p:notes>
+</file>
+
+<file path=ppt/notesSlides/notesSlide16.xml><?xml version="1.0" encoding="utf-8"?>
+<p:notes xmlns:a="http://schemas.openxmlformats.org/drawingml/2006/main" xmlns:r="http://schemas.openxmlformats.org/officeDocument/2006/relationships" xmlns:mc="http://schemas.openxmlformats.org/markup-compatibility/2006" xmlns:mv="urn:schemas-microsoft-com:mac:vml" xmlns:p="http://schemas.openxmlformats.org/presentationml/2006/main" xmlns:c="http://schemas.openxmlformats.org/drawingml/2006/chart" xmlns:dgm="http://schemas.openxmlformats.org/drawingml/2006/diagram" xmlns:o="urn:schemas-microsoft-com:office:office" xmlns:v="urn:schemas-microsoft-com:vml" xmlns:pvml="urn:schemas-microsoft-com:office:powerpoint" xmlns:com="http://schemas.openxmlformats.org/drawingml/2006/compatibility" xmlns:p14="http://schemas.microsoft.com/office/powerpoint/2010/main" xmlns:p15="http://schemas.microsoft.com/office/powerpoint/2012/main" xmlns:ahyp="http://schemas.microsoft.com/office/drawing/2018/hyperlinkcolor" showMasterPhAnim="0" showMasterSp="0">
+  <p:cSld>
+    <p:spTree>
+      <p:nvGrpSpPr>
+        <p:cNvPr id="154" name="Shape 154"/>
+        <p:cNvGrpSpPr/>
+        <p:nvPr/>
+      </p:nvGrpSpPr>
+      <p:grpSpPr>
+        <a:xfrm>
+          <a:off x="0" y="0"/>
+          <a:ext cx="0" cy="0"/>
+          <a:chOff x="0" y="0"/>
+          <a:chExt cx="0" cy="0"/>
+        </a:xfrm>
+      </p:grpSpPr>
+      <p:sp>
+        <p:nvSpPr>
+          <p:cNvPr id="155" name="Google Shape;155;g3b1793da03f_0_42:notes"/>
+          <p:cNvSpPr/>
+          <p:nvPr>
+            <p:ph idx="2" type="sldImg"/>
+          </p:nvPr>
+        </p:nvSpPr>
+        <p:spPr>
+          <a:xfrm>
+            <a:off x="381300" y="685800"/>
+            <a:ext cx="6096000" cy="3429000"/>
+          </a:xfrm>
+          <a:custGeom>
+            <a:rect b="b" l="l" r="r" t="t"/>
+            <a:pathLst>
+              <a:path extrusionOk="0" h="120000" w="120000">
+                <a:moveTo>
+                  <a:pt x="0" y="0"/>
+                </a:moveTo>
+                <a:lnTo>
+                  <a:pt x="120000" y="0"/>
+                </a:lnTo>
+                <a:lnTo>
+                  <a:pt x="120000" y="120000"/>
+                </a:lnTo>
+                <a:lnTo>
+                  <a:pt x="0" y="120000"/>
+                </a:lnTo>
+                <a:close/>
+              </a:path>
+            </a:pathLst>
+          </a:custGeom>
+        </p:spPr>
+      </p:sp>
+      <p:sp>
+        <p:nvSpPr>
+          <p:cNvPr id="156" name="Google Shape;156;g3b1793da03f_0_42:notes"/>
+          <p:cNvSpPr txBox="1"/>
+          <p:nvPr>
+            <p:ph idx="1" type="body"/>
+          </p:nvPr>
+        </p:nvSpPr>
+        <p:spPr>
+          <a:xfrm>
+            <a:off x="685800" y="4343400"/>
+            <a:ext cx="5486400" cy="4114800"/>
+          </a:xfrm>
+          <a:prstGeom prst="rect">
+            <a:avLst/>
+          </a:prstGeom>
+        </p:spPr>
+        <p:txBody>
+          <a:bodyPr anchorCtr="0" anchor="t" bIns="91425" lIns="91425" spcFirstLastPara="1" rIns="91425" wrap="square" tIns="91425">
+            <a:noAutofit/>
+          </a:bodyPr>
+          <a:lstStyle/>
+          <a:p>
+            <a:pPr indent="0" lvl="0" marL="0" rtl="0" algn="l">
+              <a:spcBef>
+                <a:spcPts val="0"/>
+              </a:spcBef>
+              <a:spcAft>
+                <a:spcPts val="0"/>
+              </a:spcAft>
+              <a:buNone/>
+            </a:pPr>
+            <a:r>
+              <a:t/>
+            </a:r>
+            <a:endParaRPr/>
+          </a:p>
+        </p:txBody>
+      </p:sp>
+    </p:spTree>
+  </p:cSld>
+  <p:clrMapOvr>
+    <a:masterClrMapping/>
+  </p:clrMapOvr>
+</p:notes>
+</file>
+
+<file path=ppt/notesSlides/notesSlide17.xml><?xml version="1.0" encoding="utf-8"?>
+<p:notes xmlns:a="http://schemas.openxmlformats.org/drawingml/2006/main" xmlns:r="http://schemas.openxmlformats.org/officeDocument/2006/relationships" xmlns:mc="http://schemas.openxmlformats.org/markup-compatibility/2006" xmlns:mv="urn:schemas-microsoft-com:mac:vml" xmlns:p="http://schemas.openxmlformats.org/presentationml/2006/main" xmlns:c="http://schemas.openxmlformats.org/drawingml/2006/chart" xmlns:dgm="http://schemas.openxmlformats.org/drawingml/2006/diagram" xmlns:o="urn:schemas-microsoft-com:office:office" xmlns:v="urn:schemas-microsoft-com:vml" xmlns:pvml="urn:schemas-microsoft-com:office:powerpoint" xmlns:com="http://schemas.openxmlformats.org/drawingml/2006/compatibility" xmlns:p14="http://schemas.microsoft.com/office/powerpoint/2010/main" xmlns:p15="http://schemas.microsoft.com/office/powerpoint/2012/main" xmlns:ahyp="http://schemas.microsoft.com/office/drawing/2018/hyperlinkcolor" showMasterPhAnim="0" showMasterSp="0">
+  <p:cSld>
+    <p:spTree>
+      <p:nvGrpSpPr>
+        <p:cNvPr id="163" name="Shape 163"/>
+        <p:cNvGrpSpPr/>
+        <p:nvPr/>
+      </p:nvGrpSpPr>
+      <p:grpSpPr>
+        <a:xfrm>
+          <a:off x="0" y="0"/>
+          <a:ext cx="0" cy="0"/>
+          <a:chOff x="0" y="0"/>
+          <a:chExt cx="0" cy="0"/>
+        </a:xfrm>
+      </p:grpSpPr>
+      <p:sp>
+        <p:nvSpPr>
+          <p:cNvPr id="164" name="Google Shape;164;g3af3cde95ce_0_83:notes"/>
+          <p:cNvSpPr/>
+          <p:nvPr>
+            <p:ph idx="2" type="sldImg"/>
+          </p:nvPr>
+        </p:nvSpPr>
+        <p:spPr>
+          <a:xfrm>
+            <a:off x="381300" y="685800"/>
+            <a:ext cx="6096000" cy="3429000"/>
+          </a:xfrm>
+          <a:custGeom>
+            <a:rect b="b" l="l" r="r" t="t"/>
+            <a:pathLst>
+              <a:path extrusionOk="0" h="120000" w="120000">
+                <a:moveTo>
+                  <a:pt x="0" y="0"/>
+                </a:moveTo>
+                <a:lnTo>
+                  <a:pt x="120000" y="0"/>
+                </a:lnTo>
+                <a:lnTo>
+                  <a:pt x="120000" y="120000"/>
+                </a:lnTo>
+                <a:lnTo>
+                  <a:pt x="0" y="120000"/>
+                </a:lnTo>
+                <a:close/>
+              </a:path>
+            </a:pathLst>
+          </a:custGeom>
+        </p:spPr>
+      </p:sp>
+      <p:sp>
+        <p:nvSpPr>
+          <p:cNvPr id="165" name="Google Shape;165;g3af3cde95ce_0_83:notes"/>
+          <p:cNvSpPr txBox="1"/>
+          <p:nvPr>
+            <p:ph idx="1" type="body"/>
+          </p:nvPr>
+        </p:nvSpPr>
+        <p:spPr>
+          <a:xfrm>
+            <a:off x="685800" y="4343400"/>
+            <a:ext cx="5486400" cy="4114800"/>
+          </a:xfrm>
+          <a:prstGeom prst="rect">
+            <a:avLst/>
+          </a:prstGeom>
+        </p:spPr>
+        <p:txBody>
+          <a:bodyPr anchorCtr="0" anchor="t" bIns="91425" lIns="91425" spcFirstLastPara="1" rIns="91425" wrap="square" tIns="91425">
+            <a:noAutofit/>
+          </a:bodyPr>
+          <a:lstStyle/>
+          <a:p>
+            <a:pPr indent="0" lvl="0" marL="0" rtl="0" algn="l">
+              <a:spcBef>
+                <a:spcPts val="0"/>
+              </a:spcBef>
+              <a:spcAft>
+                <a:spcPts val="0"/>
+              </a:spcAft>
+              <a:buNone/>
+            </a:pPr>
+            <a:r>
+              <a:t/>
+            </a:r>
+            <a:endParaRPr/>
+          </a:p>
+        </p:txBody>
+      </p:sp>
+    </p:spTree>
+  </p:cSld>
+  <p:clrMapOvr>
+    <a:masterClrMapping/>
+  </p:clrMapOvr>
+</p:notes>
+</file>
+
+<file path=ppt/notesSlides/notesSlide18.xml><?xml version="1.0" encoding="utf-8"?>
+<p:notes xmlns:a="http://schemas.openxmlformats.org/drawingml/2006/main" xmlns:r="http://schemas.openxmlformats.org/officeDocument/2006/relationships" xmlns:mc="http://schemas.openxmlformats.org/markup-compatibility/2006" xmlns:mv="urn:schemas-microsoft-com:mac:vml" xmlns:p="http://schemas.openxmlformats.org/presentationml/2006/main" xmlns:c="http://schemas.openxmlformats.org/drawingml/2006/chart" xmlns:dgm="http://schemas.openxmlformats.org/drawingml/2006/diagram" xmlns:o="urn:schemas-microsoft-com:office:office" xmlns:v="urn:schemas-microsoft-com:vml" xmlns:pvml="urn:schemas-microsoft-com:office:powerpoint" xmlns:com="http://schemas.openxmlformats.org/drawingml/2006/compatibility" xmlns:p14="http://schemas.microsoft.com/office/powerpoint/2010/main" xmlns:p15="http://schemas.microsoft.com/office/powerpoint/2012/main" xmlns:ahyp="http://schemas.microsoft.com/office/drawing/2018/hyperlinkcolor" showMasterPhAnim="0" showMasterSp="0">
+  <p:cSld>
+    <p:spTree>
+      <p:nvGrpSpPr>
+        <p:cNvPr id="220" name="Shape 220"/>
+        <p:cNvGrpSpPr/>
+        <p:nvPr/>
+      </p:nvGrpSpPr>
+      <p:grpSpPr>
+        <a:xfrm>
+          <a:off x="0" y="0"/>
+          <a:ext cx="0" cy="0"/>
+          <a:chOff x="0" y="0"/>
+          <a:chExt cx="0" cy="0"/>
+        </a:xfrm>
+      </p:grpSpPr>
+      <p:sp>
+        <p:nvSpPr>
+          <p:cNvPr id="221" name="Google Shape;221;g3b1793da03f_0_159:notes"/>
+          <p:cNvSpPr/>
+          <p:nvPr>
+            <p:ph idx="2" type="sldImg"/>
+          </p:nvPr>
+        </p:nvSpPr>
+        <p:spPr>
+          <a:xfrm>
+            <a:off x="381300" y="685800"/>
+            <a:ext cx="6096000" cy="3429000"/>
+          </a:xfrm>
+          <a:custGeom>
+            <a:rect b="b" l="l" r="r" t="t"/>
+            <a:pathLst>
+              <a:path extrusionOk="0" h="120000" w="120000">
+                <a:moveTo>
+                  <a:pt x="0" y="0"/>
+                </a:moveTo>
+                <a:lnTo>
+                  <a:pt x="120000" y="0"/>
+                </a:lnTo>
+                <a:lnTo>
+                  <a:pt x="120000" y="120000"/>
+                </a:lnTo>
+                <a:lnTo>
+                  <a:pt x="0" y="120000"/>
+                </a:lnTo>
+                <a:close/>
+              </a:path>
+            </a:pathLst>
+          </a:custGeom>
+        </p:spPr>
+      </p:sp>
+      <p:sp>
+        <p:nvSpPr>
+          <p:cNvPr id="222" name="Google Shape;222;g3b1793da03f_0_159:notes"/>
+          <p:cNvSpPr txBox="1"/>
+          <p:nvPr>
+            <p:ph idx="1" type="body"/>
+          </p:nvPr>
+        </p:nvSpPr>
+        <p:spPr>
+          <a:xfrm>
+            <a:off x="685800" y="4343400"/>
+            <a:ext cx="5486400" cy="4114800"/>
+          </a:xfrm>
+          <a:prstGeom prst="rect">
+            <a:avLst/>
+          </a:prstGeom>
+        </p:spPr>
+        <p:txBody>
+          <a:bodyPr anchorCtr="0" anchor="t" bIns="91425" lIns="91425" spcFirstLastPara="1" rIns="91425" wrap="square" tIns="91425">
+            <a:noAutofit/>
+          </a:bodyPr>
+          <a:lstStyle/>
+          <a:p>
+            <a:pPr indent="0" lvl="0" marL="0" rtl="0" algn="l">
+              <a:spcBef>
+                <a:spcPts val="0"/>
+              </a:spcBef>
+              <a:spcAft>
+                <a:spcPts val="0"/>
+              </a:spcAft>
+              <a:buNone/>
+            </a:pPr>
+            <a:r>
+              <a:t/>
+            </a:r>
+            <a:endParaRPr/>
+          </a:p>
+        </p:txBody>
+      </p:sp>
+    </p:spTree>
+  </p:cSld>
+  <p:clrMapOvr>
+    <a:masterClrMapping/>
+  </p:clrMapOvr>
+</p:notes>
+</file>
+
+<file path=ppt/notesSlides/notesSlide19.xml><?xml version="1.0" encoding="utf-8"?>
+<p:notes xmlns:a="http://schemas.openxmlformats.org/drawingml/2006/main" xmlns:r="http://schemas.openxmlformats.org/officeDocument/2006/relationships" xmlns:mc="http://schemas.openxmlformats.org/markup-compatibility/2006" xmlns:mv="urn:schemas-microsoft-com:mac:vml" xmlns:p="http://schemas.openxmlformats.org/presentationml/2006/main" xmlns:c="http://schemas.openxmlformats.org/drawingml/2006/chart" xmlns:dgm="http://schemas.openxmlformats.org/drawingml/2006/diagram" xmlns:o="urn:schemas-microsoft-com:office:office" xmlns:v="urn:schemas-microsoft-com:vml" xmlns:pvml="urn:schemas-microsoft-com:office:powerpoint" xmlns:com="http://schemas.openxmlformats.org/drawingml/2006/compatibility" xmlns:p14="http://schemas.microsoft.com/office/powerpoint/2010/main" xmlns:p15="http://schemas.microsoft.com/office/powerpoint/2012/main" xmlns:ahyp="http://schemas.microsoft.com/office/drawing/2018/hyperlinkcolor" showMasterPhAnim="0" showMasterSp="0">
+  <p:cSld>
+    <p:spTree>
+      <p:nvGrpSpPr>
+        <p:cNvPr id="233" name="Shape 233"/>
+        <p:cNvGrpSpPr/>
+        <p:nvPr/>
+      </p:nvGrpSpPr>
+      <p:grpSpPr>
+        <a:xfrm>
+          <a:off x="0" y="0"/>
+          <a:ext cx="0" cy="0"/>
+          <a:chOff x="0" y="0"/>
+          <a:chExt cx="0" cy="0"/>
+        </a:xfrm>
+      </p:grpSpPr>
+      <p:sp>
+        <p:nvSpPr>
+          <p:cNvPr id="234" name="Google Shape;234;g3af3cde95ce_0_88:notes"/>
+          <p:cNvSpPr/>
+          <p:nvPr>
+            <p:ph idx="2" type="sldImg"/>
+          </p:nvPr>
+        </p:nvSpPr>
+        <p:spPr>
+          <a:xfrm>
+            <a:off x="381300" y="685800"/>
+            <a:ext cx="6096000" cy="3429000"/>
+          </a:xfrm>
+          <a:custGeom>
+            <a:rect b="b" l="l" r="r" t="t"/>
+            <a:pathLst>
+              <a:path extrusionOk="0" h="120000" w="120000">
+                <a:moveTo>
+                  <a:pt x="0" y="0"/>
+                </a:moveTo>
+                <a:lnTo>
+                  <a:pt x="120000" y="0"/>
+                </a:lnTo>
+                <a:lnTo>
+                  <a:pt x="120000" y="120000"/>
+                </a:lnTo>
+                <a:lnTo>
+                  <a:pt x="0" y="120000"/>
+                </a:lnTo>
+                <a:close/>
+              </a:path>
+            </a:pathLst>
+          </a:custGeom>
+        </p:spPr>
+      </p:sp>
+      <p:sp>
+        <p:nvSpPr>
+          <p:cNvPr id="235" name="Google Shape;235;g3af3cde95ce_0_88:notes"/>
           <p:cNvSpPr txBox="1"/>
           <p:nvPr>
             <p:ph idx="1" type="body"/>
@@ -1527,7 +1911,7 @@
       </p:grpSpPr>
       <p:sp>
         <p:nvSpPr>
-          <p:cNvPr id="70" name="Google Shape;70;g3af3cde95ce_0_58:notes"/>
+          <p:cNvPr id="70" name="Google Shape;70;g3b2fa592d98_0_7:notes"/>
           <p:cNvSpPr/>
           <p:nvPr>
             <p:ph idx="2" type="sldImg"/>
@@ -1562,7 +1946,7 @@
       </p:sp>
       <p:sp>
         <p:nvSpPr>
-          <p:cNvPr id="71" name="Google Shape;71;g3af3cde95ce_0_58:notes"/>
+          <p:cNvPr id="71" name="Google Shape;71;g3b2fa592d98_0_7:notes"/>
           <p:cNvSpPr txBox="1"/>
           <p:nvPr>
             <p:ph idx="1" type="body"/>
@@ -1626,7 +2010,7 @@
       </p:grpSpPr>
       <p:sp>
         <p:nvSpPr>
-          <p:cNvPr id="77" name="Google Shape;77;g3af3cde95ce_0_63:notes"/>
+          <p:cNvPr id="77" name="Google Shape;77;g3af3cde95ce_0_58:notes"/>
           <p:cNvSpPr/>
           <p:nvPr>
             <p:ph idx="2" type="sldImg"/>
@@ -1661,7 +2045,7 @@
       </p:sp>
       <p:sp>
         <p:nvSpPr>
-          <p:cNvPr id="78" name="Google Shape;78;g3af3cde95ce_0_63:notes"/>
+          <p:cNvPr id="78" name="Google Shape;78;g3af3cde95ce_0_58:notes"/>
           <p:cNvSpPr txBox="1"/>
           <p:nvPr>
             <p:ph idx="1" type="body"/>
@@ -1711,7 +2095,7 @@
   <p:cSld>
     <p:spTree>
       <p:nvGrpSpPr>
-        <p:cNvPr id="82" name="Shape 82"/>
+        <p:cNvPr id="83" name="Shape 83"/>
         <p:cNvGrpSpPr/>
         <p:nvPr/>
       </p:nvGrpSpPr>
@@ -1725,7 +2109,7 @@
       </p:grpSpPr>
       <p:sp>
         <p:nvSpPr>
-          <p:cNvPr id="83" name="Google Shape;83;g3af3cde95ce_0_68:notes"/>
+          <p:cNvPr id="84" name="Google Shape;84;g3af3cde95ce_0_63:notes"/>
           <p:cNvSpPr/>
           <p:nvPr>
             <p:ph idx="2" type="sldImg"/>
@@ -1760,7 +2144,7 @@
       </p:sp>
       <p:sp>
         <p:nvSpPr>
-          <p:cNvPr id="84" name="Google Shape;84;g3af3cde95ce_0_68:notes"/>
+          <p:cNvPr id="85" name="Google Shape;85;g3af3cde95ce_0_63:notes"/>
           <p:cNvSpPr txBox="1"/>
           <p:nvPr>
             <p:ph idx="1" type="body"/>
@@ -1810,7 +2194,7 @@
   <p:cSld>
     <p:spTree>
       <p:nvGrpSpPr>
-        <p:cNvPr id="88" name="Shape 88"/>
+        <p:cNvPr id="89" name="Shape 89"/>
         <p:cNvGrpSpPr/>
         <p:nvPr/>
       </p:nvGrpSpPr>
@@ -1824,7 +2208,7 @@
       </p:grpSpPr>
       <p:sp>
         <p:nvSpPr>
-          <p:cNvPr id="89" name="Google Shape;89;g3b1793da03f_0_3:notes"/>
+          <p:cNvPr id="90" name="Google Shape;90;g3af3cde95ce_0_68:notes"/>
           <p:cNvSpPr/>
           <p:nvPr>
             <p:ph idx="2" type="sldImg"/>
@@ -1859,7 +2243,7 @@
       </p:sp>
       <p:sp>
         <p:nvSpPr>
-          <p:cNvPr id="90" name="Google Shape;90;g3b1793da03f_0_3:notes"/>
+          <p:cNvPr id="91" name="Google Shape;91;g3af3cde95ce_0_68:notes"/>
           <p:cNvSpPr txBox="1"/>
           <p:nvPr>
             <p:ph idx="1" type="body"/>
@@ -1909,7 +2293,7 @@
   <p:cSld>
     <p:spTree>
       <p:nvGrpSpPr>
-        <p:cNvPr id="94" name="Shape 94"/>
+        <p:cNvPr id="95" name="Shape 95"/>
         <p:cNvGrpSpPr/>
         <p:nvPr/>
       </p:nvGrpSpPr>
@@ -1923,7 +2307,7 @@
       </p:grpSpPr>
       <p:sp>
         <p:nvSpPr>
-          <p:cNvPr id="95" name="Google Shape;95;g3b1793da03f_0_9:notes"/>
+          <p:cNvPr id="96" name="Google Shape;96;g3b1793da03f_0_3:notes"/>
           <p:cNvSpPr/>
           <p:nvPr>
             <p:ph idx="2" type="sldImg"/>
@@ -1958,7 +2342,7 @@
       </p:sp>
       <p:sp>
         <p:nvSpPr>
-          <p:cNvPr id="96" name="Google Shape;96;g3b1793da03f_0_9:notes"/>
+          <p:cNvPr id="97" name="Google Shape;97;g3b1793da03f_0_3:notes"/>
           <p:cNvSpPr txBox="1"/>
           <p:nvPr>
             <p:ph idx="1" type="body"/>
@@ -2008,7 +2392,7 @@
   <p:cSld>
     <p:spTree>
       <p:nvGrpSpPr>
-        <p:cNvPr id="102" name="Shape 102"/>
+        <p:cNvPr id="101" name="Shape 101"/>
         <p:cNvGrpSpPr/>
         <p:nvPr/>
       </p:nvGrpSpPr>
@@ -2022,7 +2406,7 @@
       </p:grpSpPr>
       <p:sp>
         <p:nvSpPr>
-          <p:cNvPr id="103" name="Google Shape;103;g3af3cde95ce_0_78:notes"/>
+          <p:cNvPr id="102" name="Google Shape;102;g3b1793da03f_0_9:notes"/>
           <p:cNvSpPr/>
           <p:nvPr>
             <p:ph idx="2" type="sldImg"/>
@@ -2057,7 +2441,7 @@
       </p:sp>
       <p:sp>
         <p:nvSpPr>
-          <p:cNvPr id="104" name="Google Shape;104;g3af3cde95ce_0_78:notes"/>
+          <p:cNvPr id="103" name="Google Shape;103;g3b1793da03f_0_9:notes"/>
           <p:cNvSpPr txBox="1"/>
           <p:nvPr>
             <p:ph idx="1" type="body"/>
@@ -2107,7 +2491,7 @@
   <p:cSld>
     <p:spTree>
       <p:nvGrpSpPr>
-        <p:cNvPr id="108" name="Shape 108"/>
+        <p:cNvPr id="109" name="Shape 109"/>
         <p:cNvGrpSpPr/>
         <p:nvPr/>
       </p:nvGrpSpPr>
@@ -2121,7 +2505,7 @@
       </p:grpSpPr>
       <p:sp>
         <p:nvSpPr>
-          <p:cNvPr id="109" name="Google Shape;109;g3af3cde95ce_0_73:notes"/>
+          <p:cNvPr id="110" name="Google Shape;110;g3af3cde95ce_0_78:notes"/>
           <p:cNvSpPr/>
           <p:nvPr>
             <p:ph idx="2" type="sldImg"/>
@@ -2156,7 +2540,7 @@
       </p:sp>
       <p:sp>
         <p:nvSpPr>
-          <p:cNvPr id="110" name="Google Shape;110;g3af3cde95ce_0_73:notes"/>
+          <p:cNvPr id="111" name="Google Shape;111;g3af3cde95ce_0_78:notes"/>
           <p:cNvSpPr txBox="1"/>
           <p:nvPr>
             <p:ph idx="1" type="body"/>
@@ -7696,7 +8080,7 @@
   <p:cSld>
     <p:spTree>
       <p:nvGrpSpPr>
-        <p:cNvPr id="117" name="Shape 117"/>
+        <p:cNvPr id="118" name="Shape 118"/>
         <p:cNvGrpSpPr/>
         <p:nvPr/>
       </p:nvGrpSpPr>
@@ -7710,7 +8094,7 @@
       </p:grpSpPr>
       <p:sp>
         <p:nvSpPr>
-          <p:cNvPr id="118" name="Google Shape;118;p22"/>
+          <p:cNvPr id="119" name="Google Shape;119;p22"/>
           <p:cNvSpPr txBox="1"/>
           <p:nvPr>
             <p:ph type="title"/>
@@ -7742,7 +8126,7 @@
             </a:pPr>
             <a:r>
               <a:rPr lang="pt-BR"/>
-              <a:t>Use cases</a:t>
+              <a:t>The symbolic regression loop</a:t>
             </a:r>
             <a:endParaRPr/>
           </a:p>
@@ -7750,7 +8134,370 @@
       </p:sp>
       <p:pic>
         <p:nvPicPr>
-          <p:cNvPr id="119" name="Google Shape;119;p22"/>
+          <p:cNvPr id="120" name="Google Shape;120;p22"/>
+          <p:cNvPicPr preferRelativeResize="0"/>
+          <p:nvPr/>
+        </p:nvPicPr>
+        <p:blipFill>
+          <a:blip r:embed="rId3">
+            <a:alphaModFix/>
+          </a:blip>
+          <a:stretch>
+            <a:fillRect/>
+          </a:stretch>
+        </p:blipFill>
+        <p:spPr>
+          <a:xfrm>
+            <a:off x="965949" y="1486425"/>
+            <a:ext cx="7141601" cy="3096576"/>
+          </a:xfrm>
+          <a:prstGeom prst="rect">
+            <a:avLst/>
+          </a:prstGeom>
+          <a:noFill/>
+          <a:ln>
+            <a:noFill/>
+          </a:ln>
+        </p:spPr>
+      </p:pic>
+    </p:spTree>
+  </p:cSld>
+  <p:clrMapOvr>
+    <a:masterClrMapping/>
+  </p:clrMapOvr>
+</p:sld>
+</file>
+
+<file path=ppt/slides/slide11.xml><?xml version="1.0" encoding="utf-8"?>
+<p:sld xmlns:a="http://schemas.openxmlformats.org/drawingml/2006/main" xmlns:r="http://schemas.openxmlformats.org/officeDocument/2006/relationships" xmlns:mc="http://schemas.openxmlformats.org/markup-compatibility/2006" xmlns:mv="urn:schemas-microsoft-com:mac:vml" xmlns:p="http://schemas.openxmlformats.org/presentationml/2006/main" xmlns:c="http://schemas.openxmlformats.org/drawingml/2006/chart" xmlns:dgm="http://schemas.openxmlformats.org/drawingml/2006/diagram" xmlns:o="urn:schemas-microsoft-com:office:office" xmlns:v="urn:schemas-microsoft-com:vml" xmlns:pvml="urn:schemas-microsoft-com:office:powerpoint" xmlns:com="http://schemas.openxmlformats.org/drawingml/2006/compatibility" xmlns:p14="http://schemas.microsoft.com/office/powerpoint/2010/main" xmlns:p15="http://schemas.microsoft.com/office/powerpoint/2012/main" xmlns:ahyp="http://schemas.microsoft.com/office/drawing/2018/hyperlinkcolor">
+  <p:cSld>
+    <p:spTree>
+      <p:nvGrpSpPr>
+        <p:cNvPr id="124" name="Shape 124"/>
+        <p:cNvGrpSpPr/>
+        <p:nvPr/>
+      </p:nvGrpSpPr>
+      <p:grpSpPr>
+        <a:xfrm>
+          <a:off x="0" y="0"/>
+          <a:ext cx="0" cy="0"/>
+          <a:chOff x="0" y="0"/>
+          <a:chExt cx="0" cy="0"/>
+        </a:xfrm>
+      </p:grpSpPr>
+      <p:sp>
+        <p:nvSpPr>
+          <p:cNvPr id="125" name="Google Shape;125;p23"/>
+          <p:cNvSpPr txBox="1"/>
+          <p:nvPr>
+            <p:ph type="title"/>
+          </p:nvPr>
+        </p:nvSpPr>
+        <p:spPr>
+          <a:xfrm>
+            <a:off x="311700" y="315925"/>
+            <a:ext cx="8520600" cy="831300"/>
+          </a:xfrm>
+          <a:prstGeom prst="rect">
+            <a:avLst/>
+          </a:prstGeom>
+        </p:spPr>
+        <p:txBody>
+          <a:bodyPr anchorCtr="0" anchor="b" bIns="91425" lIns="91425" spcFirstLastPara="1" rIns="91425" wrap="square" tIns="91425">
+            <a:normAutofit/>
+          </a:bodyPr>
+          <a:lstStyle/>
+          <a:p>
+            <a:pPr indent="0" lvl="0" marL="0" rtl="0" algn="l">
+              <a:spcBef>
+                <a:spcPts val="0"/>
+              </a:spcBef>
+              <a:spcAft>
+                <a:spcPts val="0"/>
+              </a:spcAft>
+              <a:buNone/>
+            </a:pPr>
+            <a:r>
+              <a:rPr lang="pt-BR"/>
+              <a:t>Algorithm</a:t>
+            </a:r>
+            <a:endParaRPr/>
+          </a:p>
+        </p:txBody>
+      </p:sp>
+      <p:pic>
+        <p:nvPicPr>
+          <p:cNvPr id="126" name="Google Shape;126;p23"/>
+          <p:cNvPicPr preferRelativeResize="0"/>
+          <p:nvPr/>
+        </p:nvPicPr>
+        <p:blipFill>
+          <a:blip r:embed="rId3">
+            <a:alphaModFix/>
+          </a:blip>
+          <a:stretch>
+            <a:fillRect/>
+          </a:stretch>
+        </p:blipFill>
+        <p:spPr>
+          <a:xfrm>
+            <a:off x="4627373" y="184200"/>
+            <a:ext cx="4392026" cy="4628424"/>
+          </a:xfrm>
+          <a:prstGeom prst="rect">
+            <a:avLst/>
+          </a:prstGeom>
+          <a:noFill/>
+          <a:ln>
+            <a:noFill/>
+          </a:ln>
+        </p:spPr>
+      </p:pic>
+      <p:pic>
+        <p:nvPicPr>
+          <p:cNvPr id="127" name="Google Shape;127;p23"/>
+          <p:cNvPicPr preferRelativeResize="0"/>
+          <p:nvPr/>
+        </p:nvPicPr>
+        <p:blipFill>
+          <a:blip r:embed="rId4">
+            <a:alphaModFix/>
+          </a:blip>
+          <a:stretch>
+            <a:fillRect/>
+          </a:stretch>
+        </p:blipFill>
+        <p:spPr>
+          <a:xfrm>
+            <a:off x="428125" y="1327424"/>
+            <a:ext cx="3967022" cy="831300"/>
+          </a:xfrm>
+          <a:prstGeom prst="rect">
+            <a:avLst/>
+          </a:prstGeom>
+          <a:noFill/>
+          <a:ln>
+            <a:noFill/>
+          </a:ln>
+        </p:spPr>
+      </p:pic>
+      <p:pic>
+        <p:nvPicPr>
+          <p:cNvPr id="128" name="Google Shape;128;p23"/>
+          <p:cNvPicPr preferRelativeResize="0"/>
+          <p:nvPr/>
+        </p:nvPicPr>
+        <p:blipFill>
+          <a:blip r:embed="rId5">
+            <a:alphaModFix/>
+          </a:blip>
+          <a:stretch>
+            <a:fillRect/>
+          </a:stretch>
+        </p:blipFill>
+        <p:spPr>
+          <a:xfrm>
+            <a:off x="428125" y="2223374"/>
+            <a:ext cx="3585435" cy="2679977"/>
+          </a:xfrm>
+          <a:prstGeom prst="rect">
+            <a:avLst/>
+          </a:prstGeom>
+          <a:noFill/>
+          <a:ln>
+            <a:noFill/>
+          </a:ln>
+        </p:spPr>
+      </p:pic>
+    </p:spTree>
+  </p:cSld>
+  <p:clrMapOvr>
+    <a:masterClrMapping/>
+  </p:clrMapOvr>
+</p:sld>
+</file>
+
+<file path=ppt/slides/slide12.xml><?xml version="1.0" encoding="utf-8"?>
+<p:sld xmlns:a="http://schemas.openxmlformats.org/drawingml/2006/main" xmlns:r="http://schemas.openxmlformats.org/officeDocument/2006/relationships" xmlns:mc="http://schemas.openxmlformats.org/markup-compatibility/2006" xmlns:mv="urn:schemas-microsoft-com:mac:vml" xmlns:p="http://schemas.openxmlformats.org/presentationml/2006/main" xmlns:c="http://schemas.openxmlformats.org/drawingml/2006/chart" xmlns:dgm="http://schemas.openxmlformats.org/drawingml/2006/diagram" xmlns:o="urn:schemas-microsoft-com:office:office" xmlns:v="urn:schemas-microsoft-com:vml" xmlns:pvml="urn:schemas-microsoft-com:office:powerpoint" xmlns:com="http://schemas.openxmlformats.org/drawingml/2006/compatibility" xmlns:p14="http://schemas.microsoft.com/office/powerpoint/2010/main" xmlns:p15="http://schemas.microsoft.com/office/powerpoint/2012/main" xmlns:ahyp="http://schemas.microsoft.com/office/drawing/2018/hyperlinkcolor">
+  <p:cSld>
+    <p:spTree>
+      <p:nvGrpSpPr>
+        <p:cNvPr id="132" name="Shape 132"/>
+        <p:cNvGrpSpPr/>
+        <p:nvPr/>
+      </p:nvGrpSpPr>
+      <p:grpSpPr>
+        <a:xfrm>
+          <a:off x="0" y="0"/>
+          <a:ext cx="0" cy="0"/>
+          <a:chOff x="0" y="0"/>
+          <a:chExt cx="0" cy="0"/>
+        </a:xfrm>
+      </p:grpSpPr>
+      <p:sp>
+        <p:nvSpPr>
+          <p:cNvPr id="133" name="Google Shape;133;p24"/>
+          <p:cNvSpPr txBox="1"/>
+          <p:nvPr>
+            <p:ph type="title"/>
+          </p:nvPr>
+        </p:nvSpPr>
+        <p:spPr>
+          <a:xfrm>
+            <a:off x="311700" y="315925"/>
+            <a:ext cx="8520600" cy="831300"/>
+          </a:xfrm>
+          <a:prstGeom prst="rect">
+            <a:avLst/>
+          </a:prstGeom>
+        </p:spPr>
+        <p:txBody>
+          <a:bodyPr anchorCtr="0" anchor="b" bIns="91425" lIns="91425" spcFirstLastPara="1" rIns="91425" wrap="square" tIns="91425">
+            <a:normAutofit/>
+          </a:bodyPr>
+          <a:lstStyle/>
+          <a:p>
+            <a:pPr indent="0" lvl="0" marL="0" rtl="0" algn="l">
+              <a:spcBef>
+                <a:spcPts val="0"/>
+              </a:spcBef>
+              <a:spcAft>
+                <a:spcPts val="0"/>
+              </a:spcAft>
+              <a:buNone/>
+            </a:pPr>
+            <a:r>
+              <a:rPr lang="pt-BR"/>
+              <a:t>Algorithm</a:t>
+            </a:r>
+            <a:endParaRPr/>
+          </a:p>
+        </p:txBody>
+      </p:sp>
+      <p:pic>
+        <p:nvPicPr>
+          <p:cNvPr id="134" name="Google Shape;134;p24"/>
+          <p:cNvPicPr preferRelativeResize="0"/>
+          <p:nvPr/>
+        </p:nvPicPr>
+        <p:blipFill>
+          <a:blip r:embed="rId3">
+            <a:alphaModFix/>
+          </a:blip>
+          <a:stretch>
+            <a:fillRect/>
+          </a:stretch>
+        </p:blipFill>
+        <p:spPr>
+          <a:xfrm>
+            <a:off x="694650" y="1147225"/>
+            <a:ext cx="3219006" cy="3691473"/>
+          </a:xfrm>
+          <a:prstGeom prst="rect">
+            <a:avLst/>
+          </a:prstGeom>
+          <a:noFill/>
+          <a:ln>
+            <a:noFill/>
+          </a:ln>
+        </p:spPr>
+      </p:pic>
+      <p:pic>
+        <p:nvPicPr>
+          <p:cNvPr id="135" name="Google Shape;135;p24"/>
+          <p:cNvPicPr preferRelativeResize="0"/>
+          <p:nvPr/>
+        </p:nvPicPr>
+        <p:blipFill>
+          <a:blip r:embed="rId4">
+            <a:alphaModFix/>
+          </a:blip>
+          <a:stretch>
+            <a:fillRect/>
+          </a:stretch>
+        </p:blipFill>
+        <p:spPr>
+          <a:xfrm>
+            <a:off x="5071826" y="490027"/>
+            <a:ext cx="3219000" cy="4348673"/>
+          </a:xfrm>
+          <a:prstGeom prst="rect">
+            <a:avLst/>
+          </a:prstGeom>
+          <a:noFill/>
+          <a:ln>
+            <a:noFill/>
+          </a:ln>
+        </p:spPr>
+      </p:pic>
+    </p:spTree>
+  </p:cSld>
+  <p:clrMapOvr>
+    <a:masterClrMapping/>
+  </p:clrMapOvr>
+</p:sld>
+</file>
+
+<file path=ppt/slides/slide13.xml><?xml version="1.0" encoding="utf-8"?>
+<p:sld xmlns:a="http://schemas.openxmlformats.org/drawingml/2006/main" xmlns:r="http://schemas.openxmlformats.org/officeDocument/2006/relationships" xmlns:mc="http://schemas.openxmlformats.org/markup-compatibility/2006" xmlns:mv="urn:schemas-microsoft-com:mac:vml" xmlns:p="http://schemas.openxmlformats.org/presentationml/2006/main" xmlns:c="http://schemas.openxmlformats.org/drawingml/2006/chart" xmlns:dgm="http://schemas.openxmlformats.org/drawingml/2006/diagram" xmlns:o="urn:schemas-microsoft-com:office:office" xmlns:v="urn:schemas-microsoft-com:vml" xmlns:pvml="urn:schemas-microsoft-com:office:powerpoint" xmlns:com="http://schemas.openxmlformats.org/drawingml/2006/compatibility" xmlns:p14="http://schemas.microsoft.com/office/powerpoint/2010/main" xmlns:p15="http://schemas.microsoft.com/office/powerpoint/2012/main" xmlns:ahyp="http://schemas.microsoft.com/office/drawing/2018/hyperlinkcolor">
+  <p:cSld>
+    <p:spTree>
+      <p:nvGrpSpPr>
+        <p:cNvPr id="139" name="Shape 139"/>
+        <p:cNvGrpSpPr/>
+        <p:nvPr/>
+      </p:nvGrpSpPr>
+      <p:grpSpPr>
+        <a:xfrm>
+          <a:off x="0" y="0"/>
+          <a:ext cx="0" cy="0"/>
+          <a:chOff x="0" y="0"/>
+          <a:chExt cx="0" cy="0"/>
+        </a:xfrm>
+      </p:grpSpPr>
+      <p:sp>
+        <p:nvSpPr>
+          <p:cNvPr id="140" name="Google Shape;140;p25"/>
+          <p:cNvSpPr txBox="1"/>
+          <p:nvPr>
+            <p:ph type="title"/>
+          </p:nvPr>
+        </p:nvSpPr>
+        <p:spPr>
+          <a:xfrm>
+            <a:off x="311700" y="315925"/>
+            <a:ext cx="8520600" cy="831300"/>
+          </a:xfrm>
+          <a:prstGeom prst="rect">
+            <a:avLst/>
+          </a:prstGeom>
+        </p:spPr>
+        <p:txBody>
+          <a:bodyPr anchorCtr="0" anchor="b" bIns="91425" lIns="91425" spcFirstLastPara="1" rIns="91425" wrap="square" tIns="91425">
+            <a:normAutofit/>
+          </a:bodyPr>
+          <a:lstStyle/>
+          <a:p>
+            <a:pPr indent="0" lvl="0" marL="0" rtl="0" algn="l">
+              <a:spcBef>
+                <a:spcPts val="0"/>
+              </a:spcBef>
+              <a:spcAft>
+                <a:spcPts val="0"/>
+              </a:spcAft>
+              <a:buNone/>
+            </a:pPr>
+            <a:r>
+              <a:rPr lang="pt-BR"/>
+              <a:t>Use cases</a:t>
+            </a:r>
+            <a:endParaRPr/>
+          </a:p>
+        </p:txBody>
+      </p:sp>
+      <p:pic>
+        <p:nvPicPr>
+          <p:cNvPr id="141" name="Google Shape;141;p25"/>
           <p:cNvPicPr preferRelativeResize="0"/>
           <p:nvPr/>
         </p:nvPicPr>
@@ -7784,12 +8531,12 @@
 </p:sld>
 </file>
 
-<file path=ppt/slides/slide11.xml><?xml version="1.0" encoding="utf-8"?>
+<file path=ppt/slides/slide14.xml><?xml version="1.0" encoding="utf-8"?>
 <p:sld xmlns:a="http://schemas.openxmlformats.org/drawingml/2006/main" xmlns:r="http://schemas.openxmlformats.org/officeDocument/2006/relationships" xmlns:mc="http://schemas.openxmlformats.org/markup-compatibility/2006" xmlns:mv="urn:schemas-microsoft-com:mac:vml" xmlns:p="http://schemas.openxmlformats.org/presentationml/2006/main" xmlns:c="http://schemas.openxmlformats.org/drawingml/2006/chart" xmlns:dgm="http://schemas.openxmlformats.org/drawingml/2006/diagram" xmlns:o="urn:schemas-microsoft-com:office:office" xmlns:v="urn:schemas-microsoft-com:vml" xmlns:pvml="urn:schemas-microsoft-com:office:powerpoint" xmlns:com="http://schemas.openxmlformats.org/drawingml/2006/compatibility" xmlns:p14="http://schemas.microsoft.com/office/powerpoint/2010/main" xmlns:p15="http://schemas.microsoft.com/office/powerpoint/2012/main" xmlns:ahyp="http://schemas.microsoft.com/office/drawing/2018/hyperlinkcolor">
   <p:cSld>
     <p:spTree>
       <p:nvGrpSpPr>
-        <p:cNvPr id="123" name="Shape 123"/>
+        <p:cNvPr id="145" name="Shape 145"/>
         <p:cNvGrpSpPr/>
         <p:nvPr/>
       </p:nvGrpSpPr>
@@ -7803,7 +8550,7 @@
       </p:grpSpPr>
       <p:sp>
         <p:nvSpPr>
-          <p:cNvPr id="124" name="Google Shape;124;p23"/>
+          <p:cNvPr id="146" name="Google Shape;146;p26"/>
           <p:cNvSpPr txBox="1"/>
           <p:nvPr>
             <p:ph type="title"/>
@@ -7843,7 +8590,7 @@
       </p:sp>
       <p:pic>
         <p:nvPicPr>
-          <p:cNvPr id="125" name="Google Shape;125;p23"/>
+          <p:cNvPr id="147" name="Google Shape;147;p26"/>
           <p:cNvPicPr preferRelativeResize="0"/>
           <p:nvPr/>
         </p:nvPicPr>
@@ -7877,12 +8624,12 @@
 </p:sld>
 </file>
 
-<file path=ppt/slides/slide12.xml><?xml version="1.0" encoding="utf-8"?>
+<file path=ppt/slides/slide15.xml><?xml version="1.0" encoding="utf-8"?>
 <p:sld xmlns:a="http://schemas.openxmlformats.org/drawingml/2006/main" xmlns:r="http://schemas.openxmlformats.org/officeDocument/2006/relationships" xmlns:mc="http://schemas.openxmlformats.org/markup-compatibility/2006" xmlns:mv="urn:schemas-microsoft-com:mac:vml" xmlns:p="http://schemas.openxmlformats.org/presentationml/2006/main" xmlns:c="http://schemas.openxmlformats.org/drawingml/2006/chart" xmlns:dgm="http://schemas.openxmlformats.org/drawingml/2006/diagram" xmlns:o="urn:schemas-microsoft-com:office:office" xmlns:v="urn:schemas-microsoft-com:vml" xmlns:pvml="urn:schemas-microsoft-com:office:powerpoint" xmlns:com="http://schemas.openxmlformats.org/drawingml/2006/compatibility" xmlns:p14="http://schemas.microsoft.com/office/powerpoint/2010/main" xmlns:p15="http://schemas.microsoft.com/office/powerpoint/2012/main" xmlns:ahyp="http://schemas.microsoft.com/office/drawing/2018/hyperlinkcolor">
   <p:cSld>
     <p:spTree>
       <p:nvGrpSpPr>
-        <p:cNvPr id="129" name="Shape 129"/>
+        <p:cNvPr id="151" name="Shape 151"/>
         <p:cNvGrpSpPr/>
         <p:nvPr/>
       </p:nvGrpSpPr>
@@ -7896,7 +8643,7 @@
       </p:grpSpPr>
       <p:sp>
         <p:nvSpPr>
-          <p:cNvPr id="130" name="Google Shape;130;p24"/>
+          <p:cNvPr id="152" name="Google Shape;152;p27"/>
           <p:cNvSpPr txBox="1"/>
           <p:nvPr>
             <p:ph type="title"/>
@@ -7928,7 +8675,7 @@
             </a:pPr>
             <a:r>
               <a:rPr lang="pt-BR"/>
-              <a:t>Code example</a:t>
+              <a:t>Benchmark</a:t>
             </a:r>
             <a:endParaRPr/>
           </a:p>
@@ -7936,7 +8683,100 @@
       </p:sp>
       <p:pic>
         <p:nvPicPr>
-          <p:cNvPr id="131" name="Google Shape;131;p24"/>
+          <p:cNvPr id="153" name="Google Shape;153;p27"/>
+          <p:cNvPicPr preferRelativeResize="0"/>
+          <p:nvPr/>
+        </p:nvPicPr>
+        <p:blipFill>
+          <a:blip r:embed="rId3">
+            <a:alphaModFix/>
+          </a:blip>
+          <a:stretch>
+            <a:fillRect/>
+          </a:stretch>
+        </p:blipFill>
+        <p:spPr>
+          <a:xfrm>
+            <a:off x="542075" y="1193775"/>
+            <a:ext cx="8059853" cy="3691476"/>
+          </a:xfrm>
+          <a:prstGeom prst="rect">
+            <a:avLst/>
+          </a:prstGeom>
+          <a:noFill/>
+          <a:ln>
+            <a:noFill/>
+          </a:ln>
+        </p:spPr>
+      </p:pic>
+    </p:spTree>
+  </p:cSld>
+  <p:clrMapOvr>
+    <a:masterClrMapping/>
+  </p:clrMapOvr>
+</p:sld>
+</file>
+
+<file path=ppt/slides/slide16.xml><?xml version="1.0" encoding="utf-8"?>
+<p:sld xmlns:a="http://schemas.openxmlformats.org/drawingml/2006/main" xmlns:r="http://schemas.openxmlformats.org/officeDocument/2006/relationships" xmlns:mc="http://schemas.openxmlformats.org/markup-compatibility/2006" xmlns:mv="urn:schemas-microsoft-com:mac:vml" xmlns:p="http://schemas.openxmlformats.org/presentationml/2006/main" xmlns:c="http://schemas.openxmlformats.org/drawingml/2006/chart" xmlns:dgm="http://schemas.openxmlformats.org/drawingml/2006/diagram" xmlns:o="urn:schemas-microsoft-com:office:office" xmlns:v="urn:schemas-microsoft-com:vml" xmlns:pvml="urn:schemas-microsoft-com:office:powerpoint" xmlns:com="http://schemas.openxmlformats.org/drawingml/2006/compatibility" xmlns:p14="http://schemas.microsoft.com/office/powerpoint/2010/main" xmlns:p15="http://schemas.microsoft.com/office/powerpoint/2012/main" xmlns:ahyp="http://schemas.microsoft.com/office/drawing/2018/hyperlinkcolor">
+  <p:cSld>
+    <p:spTree>
+      <p:nvGrpSpPr>
+        <p:cNvPr id="157" name="Shape 157"/>
+        <p:cNvGrpSpPr/>
+        <p:nvPr/>
+      </p:nvGrpSpPr>
+      <p:grpSpPr>
+        <a:xfrm>
+          <a:off x="0" y="0"/>
+          <a:ext cx="0" cy="0"/>
+          <a:chOff x="0" y="0"/>
+          <a:chExt cx="0" cy="0"/>
+        </a:xfrm>
+      </p:grpSpPr>
+      <p:sp>
+        <p:nvSpPr>
+          <p:cNvPr id="158" name="Google Shape;158;p28"/>
+          <p:cNvSpPr txBox="1"/>
+          <p:nvPr>
+            <p:ph type="title"/>
+          </p:nvPr>
+        </p:nvSpPr>
+        <p:spPr>
+          <a:xfrm>
+            <a:off x="311700" y="315925"/>
+            <a:ext cx="8520600" cy="831300"/>
+          </a:xfrm>
+          <a:prstGeom prst="rect">
+            <a:avLst/>
+          </a:prstGeom>
+        </p:spPr>
+        <p:txBody>
+          <a:bodyPr anchorCtr="0" anchor="b" bIns="91425" lIns="91425" spcFirstLastPara="1" rIns="91425" wrap="square" tIns="91425">
+            <a:normAutofit/>
+          </a:bodyPr>
+          <a:lstStyle/>
+          <a:p>
+            <a:pPr indent="0" lvl="0" marL="0" rtl="0" algn="l">
+              <a:spcBef>
+                <a:spcPts val="0"/>
+              </a:spcBef>
+              <a:spcAft>
+                <a:spcPts val="0"/>
+              </a:spcAft>
+              <a:buNone/>
+            </a:pPr>
+            <a:r>
+              <a:rPr lang="pt-BR"/>
+              <a:t>Code example</a:t>
+            </a:r>
+            <a:endParaRPr/>
+          </a:p>
+        </p:txBody>
+      </p:sp>
+      <p:pic>
+        <p:nvPicPr>
+          <p:cNvPr id="159" name="Google Shape;159;p28"/>
           <p:cNvPicPr preferRelativeResize="0"/>
           <p:nvPr/>
         </p:nvPicPr>
@@ -7964,7 +8804,7 @@
       </p:pic>
       <p:sp>
         <p:nvSpPr>
-          <p:cNvPr id="132" name="Google Shape;132;p24"/>
+          <p:cNvPr id="160" name="Google Shape;160;p28"/>
           <p:cNvSpPr txBox="1"/>
           <p:nvPr/>
         </p:nvSpPr>
@@ -8019,7 +8859,7 @@
       </p:sp>
       <p:pic>
         <p:nvPicPr>
-          <p:cNvPr id="133" name="Google Shape;133;p24"/>
+          <p:cNvPr id="161" name="Google Shape;161;p28"/>
           <p:cNvPicPr preferRelativeResize="0"/>
           <p:nvPr/>
         </p:nvPicPr>
@@ -8047,7 +8887,7 @@
       </p:pic>
       <p:sp>
         <p:nvSpPr>
-          <p:cNvPr id="134" name="Google Shape;134;p24"/>
+          <p:cNvPr id="162" name="Google Shape;162;p28"/>
           <p:cNvSpPr txBox="1"/>
           <p:nvPr/>
         </p:nvSpPr>
@@ -8121,12 +8961,12 @@
 </p:sld>
 </file>
 
-<file path=ppt/slides/slide13.xml><?xml version="1.0" encoding="utf-8"?>
+<file path=ppt/slides/slide17.xml><?xml version="1.0" encoding="utf-8"?>
 <p:sld xmlns:a="http://schemas.openxmlformats.org/drawingml/2006/main" xmlns:r="http://schemas.openxmlformats.org/officeDocument/2006/relationships" xmlns:mc="http://schemas.openxmlformats.org/markup-compatibility/2006" xmlns:mv="urn:schemas-microsoft-com:mac:vml" xmlns:p="http://schemas.openxmlformats.org/presentationml/2006/main" xmlns:c="http://schemas.openxmlformats.org/drawingml/2006/chart" xmlns:dgm="http://schemas.openxmlformats.org/drawingml/2006/diagram" xmlns:o="urn:schemas-microsoft-com:office:office" xmlns:v="urn:schemas-microsoft-com:vml" xmlns:pvml="urn:schemas-microsoft-com:office:powerpoint" xmlns:com="http://schemas.openxmlformats.org/drawingml/2006/compatibility" xmlns:p14="http://schemas.microsoft.com/office/powerpoint/2010/main" xmlns:p15="http://schemas.microsoft.com/office/powerpoint/2012/main" xmlns:ahyp="http://schemas.microsoft.com/office/drawing/2018/hyperlinkcolor">
   <p:cSld>
     <p:spTree>
       <p:nvGrpSpPr>
-        <p:cNvPr id="138" name="Shape 138"/>
+        <p:cNvPr id="166" name="Shape 166"/>
         <p:cNvGrpSpPr/>
         <p:nvPr/>
       </p:nvGrpSpPr>
@@ -8140,7 +8980,7 @@
       </p:grpSpPr>
       <p:sp>
         <p:nvSpPr>
-          <p:cNvPr id="139" name="Google Shape;139;p25"/>
+          <p:cNvPr id="167" name="Google Shape;167;p29"/>
           <p:cNvSpPr txBox="1"/>
           <p:nvPr>
             <p:ph type="title"/>
@@ -8180,7 +9020,7 @@
       </p:sp>
       <p:sp>
         <p:nvSpPr>
-          <p:cNvPr id="140" name="Google Shape;140;p25"/>
+          <p:cNvPr id="168" name="Google Shape;168;p29"/>
           <p:cNvSpPr/>
           <p:nvPr/>
         </p:nvSpPr>
@@ -8231,7 +9071,7 @@
       </p:sp>
       <p:sp>
         <p:nvSpPr>
-          <p:cNvPr id="141" name="Google Shape;141;p25"/>
+          <p:cNvPr id="169" name="Google Shape;169;p29"/>
           <p:cNvSpPr/>
           <p:nvPr/>
         </p:nvSpPr>
@@ -8283,7 +9123,7 @@
       </p:sp>
       <p:sp>
         <p:nvSpPr>
-          <p:cNvPr id="142" name="Google Shape;142;p25"/>
+          <p:cNvPr id="170" name="Google Shape;170;p29"/>
           <p:cNvSpPr/>
           <p:nvPr/>
         </p:nvSpPr>
@@ -8335,7 +9175,7 @@
       </p:sp>
       <p:sp>
         <p:nvSpPr>
-          <p:cNvPr id="143" name="Google Shape;143;p25"/>
+          <p:cNvPr id="171" name="Google Shape;171;p29"/>
           <p:cNvSpPr/>
           <p:nvPr/>
         </p:nvSpPr>
@@ -8390,7 +9230,7 @@
       </p:sp>
       <p:grpSp>
         <p:nvGrpSpPr>
-          <p:cNvPr id="144" name="Google Shape;144;p25"/>
+          <p:cNvPr id="172" name="Google Shape;172;p29"/>
           <p:cNvGrpSpPr/>
           <p:nvPr/>
         </p:nvGrpSpPr>
@@ -8404,7 +9244,7 @@
         </p:grpSpPr>
         <p:sp>
           <p:nvSpPr>
-            <p:cNvPr id="145" name="Google Shape;145;p25"/>
+            <p:cNvPr id="173" name="Google Shape;173;p29"/>
             <p:cNvSpPr/>
             <p:nvPr/>
           </p:nvSpPr>
@@ -8453,7 +9293,7 @@
         </p:sp>
         <p:sp>
           <p:nvSpPr>
-            <p:cNvPr id="146" name="Google Shape;146;p25"/>
+            <p:cNvPr id="174" name="Google Shape;174;p29"/>
             <p:cNvSpPr/>
             <p:nvPr/>
           </p:nvSpPr>
@@ -8502,7 +9342,7 @@
         </p:sp>
         <p:sp>
           <p:nvSpPr>
-            <p:cNvPr id="147" name="Google Shape;147;p25"/>
+            <p:cNvPr id="175" name="Google Shape;175;p29"/>
             <p:cNvSpPr/>
             <p:nvPr/>
           </p:nvSpPr>
@@ -8551,7 +9391,7 @@
         </p:sp>
         <p:sp>
           <p:nvSpPr>
-            <p:cNvPr id="148" name="Google Shape;148;p25"/>
+            <p:cNvPr id="176" name="Google Shape;176;p29"/>
             <p:cNvSpPr/>
             <p:nvPr/>
           </p:nvSpPr>
@@ -8600,7 +9440,7 @@
         </p:sp>
         <p:sp>
           <p:nvSpPr>
-            <p:cNvPr id="149" name="Google Shape;149;p25"/>
+            <p:cNvPr id="177" name="Google Shape;177;p29"/>
             <p:cNvSpPr/>
             <p:nvPr/>
           </p:nvSpPr>
@@ -8649,7 +9489,7 @@
         </p:sp>
         <p:sp>
           <p:nvSpPr>
-            <p:cNvPr id="150" name="Google Shape;150;p25"/>
+            <p:cNvPr id="178" name="Google Shape;178;p29"/>
             <p:cNvSpPr/>
             <p:nvPr/>
           </p:nvSpPr>
@@ -8698,7 +9538,7 @@
         </p:sp>
         <p:sp>
           <p:nvSpPr>
-            <p:cNvPr id="151" name="Google Shape;151;p25"/>
+            <p:cNvPr id="179" name="Google Shape;179;p29"/>
             <p:cNvSpPr/>
             <p:nvPr/>
           </p:nvSpPr>
@@ -8747,7 +9587,7 @@
         </p:sp>
         <p:sp>
           <p:nvSpPr>
-            <p:cNvPr id="152" name="Google Shape;152;p25"/>
+            <p:cNvPr id="180" name="Google Shape;180;p29"/>
             <p:cNvSpPr/>
             <p:nvPr/>
           </p:nvSpPr>
@@ -8796,7 +9636,7 @@
         </p:sp>
         <p:sp>
           <p:nvSpPr>
-            <p:cNvPr id="153" name="Google Shape;153;p25"/>
+            <p:cNvPr id="181" name="Google Shape;181;p29"/>
             <p:cNvSpPr/>
             <p:nvPr/>
           </p:nvSpPr>
@@ -8845,7 +9685,7 @@
         </p:sp>
         <p:sp>
           <p:nvSpPr>
-            <p:cNvPr id="154" name="Google Shape;154;p25"/>
+            <p:cNvPr id="182" name="Google Shape;182;p29"/>
             <p:cNvSpPr/>
             <p:nvPr/>
           </p:nvSpPr>
@@ -8894,7 +9734,7 @@
         </p:sp>
         <p:sp>
           <p:nvSpPr>
-            <p:cNvPr id="155" name="Google Shape;155;p25"/>
+            <p:cNvPr id="183" name="Google Shape;183;p29"/>
             <p:cNvSpPr/>
             <p:nvPr/>
           </p:nvSpPr>
@@ -8943,7 +9783,7 @@
         </p:sp>
         <p:sp>
           <p:nvSpPr>
-            <p:cNvPr id="156" name="Google Shape;156;p25"/>
+            <p:cNvPr id="184" name="Google Shape;184;p29"/>
             <p:cNvSpPr/>
             <p:nvPr/>
           </p:nvSpPr>
@@ -8992,7 +9832,7 @@
         </p:sp>
         <p:sp>
           <p:nvSpPr>
-            <p:cNvPr id="157" name="Google Shape;157;p25"/>
+            <p:cNvPr id="185" name="Google Shape;185;p29"/>
             <p:cNvSpPr/>
             <p:nvPr/>
           </p:nvSpPr>
@@ -9041,10 +9881,10 @@
         </p:sp>
         <p:cxnSp>
           <p:nvCxnSpPr>
-            <p:cNvPr id="158" name="Google Shape;158;p25"/>
+            <p:cNvPr id="186" name="Google Shape;186;p29"/>
             <p:cNvCxnSpPr>
-              <a:stCxn id="145" idx="6"/>
-              <a:endCxn id="149" idx="2"/>
+              <a:stCxn id="173" idx="6"/>
+              <a:endCxn id="177" idx="2"/>
             </p:cNvCxnSpPr>
             <p:nvPr/>
           </p:nvCxnSpPr>
@@ -9070,10 +9910,10 @@
         </p:cxnSp>
         <p:cxnSp>
           <p:nvCxnSpPr>
-            <p:cNvPr id="159" name="Google Shape;159;p25"/>
+            <p:cNvPr id="187" name="Google Shape;187;p29"/>
             <p:cNvCxnSpPr>
-              <a:stCxn id="146" idx="6"/>
-              <a:endCxn id="149" idx="2"/>
+              <a:stCxn id="174" idx="6"/>
+              <a:endCxn id="177" idx="2"/>
             </p:cNvCxnSpPr>
             <p:nvPr/>
           </p:nvCxnSpPr>
@@ -9099,10 +9939,10 @@
         </p:cxnSp>
         <p:cxnSp>
           <p:nvCxnSpPr>
-            <p:cNvPr id="160" name="Google Shape;160;p25"/>
+            <p:cNvPr id="188" name="Google Shape;188;p29"/>
             <p:cNvCxnSpPr>
-              <a:stCxn id="148" idx="6"/>
-              <a:endCxn id="149" idx="2"/>
+              <a:stCxn id="176" idx="6"/>
+              <a:endCxn id="177" idx="2"/>
             </p:cNvCxnSpPr>
             <p:nvPr/>
           </p:nvCxnSpPr>
@@ -9128,10 +9968,10 @@
         </p:cxnSp>
         <p:cxnSp>
           <p:nvCxnSpPr>
-            <p:cNvPr id="161" name="Google Shape;161;p25"/>
+            <p:cNvPr id="189" name="Google Shape;189;p29"/>
             <p:cNvCxnSpPr>
-              <a:stCxn id="147" idx="6"/>
-              <a:endCxn id="149" idx="2"/>
+              <a:stCxn id="175" idx="6"/>
+              <a:endCxn id="177" idx="2"/>
             </p:cNvCxnSpPr>
             <p:nvPr/>
           </p:nvCxnSpPr>
@@ -9157,10 +9997,10 @@
         </p:cxnSp>
         <p:cxnSp>
           <p:nvCxnSpPr>
-            <p:cNvPr id="162" name="Google Shape;162;p25"/>
+            <p:cNvPr id="190" name="Google Shape;190;p29"/>
             <p:cNvCxnSpPr>
-              <a:stCxn id="145" idx="6"/>
-              <a:endCxn id="150" idx="2"/>
+              <a:stCxn id="173" idx="6"/>
+              <a:endCxn id="178" idx="2"/>
             </p:cNvCxnSpPr>
             <p:nvPr/>
           </p:nvCxnSpPr>
@@ -9186,10 +10026,10 @@
         </p:cxnSp>
         <p:cxnSp>
           <p:nvCxnSpPr>
-            <p:cNvPr id="163" name="Google Shape;163;p25"/>
+            <p:cNvPr id="191" name="Google Shape;191;p29"/>
             <p:cNvCxnSpPr>
-              <a:stCxn id="146" idx="6"/>
-              <a:endCxn id="150" idx="2"/>
+              <a:stCxn id="174" idx="6"/>
+              <a:endCxn id="178" idx="2"/>
             </p:cNvCxnSpPr>
             <p:nvPr/>
           </p:nvCxnSpPr>
@@ -9215,10 +10055,10 @@
         </p:cxnSp>
         <p:cxnSp>
           <p:nvCxnSpPr>
-            <p:cNvPr id="164" name="Google Shape;164;p25"/>
+            <p:cNvPr id="192" name="Google Shape;192;p29"/>
             <p:cNvCxnSpPr>
-              <a:stCxn id="148" idx="6"/>
-              <a:endCxn id="150" idx="2"/>
+              <a:stCxn id="176" idx="6"/>
+              <a:endCxn id="178" idx="2"/>
             </p:cNvCxnSpPr>
             <p:nvPr/>
           </p:nvCxnSpPr>
@@ -9244,10 +10084,10 @@
         </p:cxnSp>
         <p:cxnSp>
           <p:nvCxnSpPr>
-            <p:cNvPr id="165" name="Google Shape;165;p25"/>
+            <p:cNvPr id="193" name="Google Shape;193;p29"/>
             <p:cNvCxnSpPr>
-              <a:stCxn id="147" idx="6"/>
-              <a:endCxn id="151" idx="2"/>
+              <a:stCxn id="175" idx="6"/>
+              <a:endCxn id="179" idx="2"/>
             </p:cNvCxnSpPr>
             <p:nvPr/>
           </p:nvCxnSpPr>
@@ -9273,10 +10113,10 @@
         </p:cxnSp>
         <p:cxnSp>
           <p:nvCxnSpPr>
-            <p:cNvPr id="166" name="Google Shape;166;p25"/>
+            <p:cNvPr id="194" name="Google Shape;194;p29"/>
             <p:cNvCxnSpPr>
-              <a:stCxn id="147" idx="6"/>
-              <a:endCxn id="150" idx="2"/>
+              <a:stCxn id="175" idx="6"/>
+              <a:endCxn id="178" idx="2"/>
             </p:cNvCxnSpPr>
             <p:nvPr/>
           </p:nvCxnSpPr>
@@ -9302,10 +10142,10 @@
         </p:cxnSp>
         <p:cxnSp>
           <p:nvCxnSpPr>
-            <p:cNvPr id="167" name="Google Shape;167;p25"/>
+            <p:cNvPr id="195" name="Google Shape;195;p29"/>
             <p:cNvCxnSpPr>
-              <a:stCxn id="148" idx="6"/>
-              <a:endCxn id="151" idx="2"/>
+              <a:stCxn id="176" idx="6"/>
+              <a:endCxn id="179" idx="2"/>
             </p:cNvCxnSpPr>
             <p:nvPr/>
           </p:nvCxnSpPr>
@@ -9331,10 +10171,10 @@
         </p:cxnSp>
         <p:cxnSp>
           <p:nvCxnSpPr>
-            <p:cNvPr id="168" name="Google Shape;168;p25"/>
+            <p:cNvPr id="196" name="Google Shape;196;p29"/>
             <p:cNvCxnSpPr>
-              <a:stCxn id="146" idx="6"/>
-              <a:endCxn id="151" idx="2"/>
+              <a:stCxn id="174" idx="6"/>
+              <a:endCxn id="179" idx="2"/>
             </p:cNvCxnSpPr>
             <p:nvPr/>
           </p:nvCxnSpPr>
@@ -9360,10 +10200,10 @@
         </p:cxnSp>
         <p:cxnSp>
           <p:nvCxnSpPr>
-            <p:cNvPr id="169" name="Google Shape;169;p25"/>
+            <p:cNvPr id="197" name="Google Shape;197;p29"/>
             <p:cNvCxnSpPr>
-              <a:stCxn id="145" idx="6"/>
-              <a:endCxn id="151" idx="2"/>
+              <a:stCxn id="173" idx="6"/>
+              <a:endCxn id="179" idx="2"/>
             </p:cNvCxnSpPr>
             <p:nvPr/>
           </p:nvCxnSpPr>
@@ -9389,10 +10229,10 @@
         </p:cxnSp>
         <p:cxnSp>
           <p:nvCxnSpPr>
-            <p:cNvPr id="170" name="Google Shape;170;p25"/>
+            <p:cNvPr id="198" name="Google Shape;198;p29"/>
             <p:cNvCxnSpPr>
-              <a:stCxn id="149" idx="6"/>
-              <a:endCxn id="152" idx="2"/>
+              <a:stCxn id="177" idx="6"/>
+              <a:endCxn id="180" idx="2"/>
             </p:cNvCxnSpPr>
             <p:nvPr/>
           </p:nvCxnSpPr>
@@ -9418,10 +10258,10 @@
         </p:cxnSp>
         <p:cxnSp>
           <p:nvCxnSpPr>
-            <p:cNvPr id="171" name="Google Shape;171;p25"/>
+            <p:cNvPr id="199" name="Google Shape;199;p29"/>
             <p:cNvCxnSpPr>
-              <a:stCxn id="150" idx="6"/>
-              <a:endCxn id="152" idx="2"/>
+              <a:stCxn id="178" idx="6"/>
+              <a:endCxn id="180" idx="2"/>
             </p:cNvCxnSpPr>
             <p:nvPr/>
           </p:nvCxnSpPr>
@@ -9447,10 +10287,10 @@
         </p:cxnSp>
         <p:cxnSp>
           <p:nvCxnSpPr>
-            <p:cNvPr id="172" name="Google Shape;172;p25"/>
+            <p:cNvPr id="200" name="Google Shape;200;p29"/>
             <p:cNvCxnSpPr>
-              <a:stCxn id="151" idx="6"/>
-              <a:endCxn id="152" idx="2"/>
+              <a:stCxn id="179" idx="6"/>
+              <a:endCxn id="180" idx="2"/>
             </p:cNvCxnSpPr>
             <p:nvPr/>
           </p:nvCxnSpPr>
@@ -9476,10 +10316,10 @@
         </p:cxnSp>
         <p:cxnSp>
           <p:nvCxnSpPr>
-            <p:cNvPr id="173" name="Google Shape;173;p25"/>
+            <p:cNvPr id="201" name="Google Shape;201;p29"/>
             <p:cNvCxnSpPr>
-              <a:stCxn id="149" idx="6"/>
-              <a:endCxn id="153" idx="2"/>
+              <a:stCxn id="177" idx="6"/>
+              <a:endCxn id="181" idx="2"/>
             </p:cNvCxnSpPr>
             <p:nvPr/>
           </p:nvCxnSpPr>
@@ -9505,10 +10345,10 @@
         </p:cxnSp>
         <p:cxnSp>
           <p:nvCxnSpPr>
-            <p:cNvPr id="174" name="Google Shape;174;p25"/>
+            <p:cNvPr id="202" name="Google Shape;202;p29"/>
             <p:cNvCxnSpPr>
-              <a:stCxn id="150" idx="6"/>
-              <a:endCxn id="153" idx="2"/>
+              <a:stCxn id="178" idx="6"/>
+              <a:endCxn id="181" idx="2"/>
             </p:cNvCxnSpPr>
             <p:nvPr/>
           </p:nvCxnSpPr>
@@ -9534,10 +10374,10 @@
         </p:cxnSp>
         <p:cxnSp>
           <p:nvCxnSpPr>
-            <p:cNvPr id="175" name="Google Shape;175;p25"/>
+            <p:cNvPr id="203" name="Google Shape;203;p29"/>
             <p:cNvCxnSpPr>
-              <a:stCxn id="151" idx="6"/>
-              <a:endCxn id="153" idx="2"/>
+              <a:stCxn id="179" idx="6"/>
+              <a:endCxn id="181" idx="2"/>
             </p:cNvCxnSpPr>
             <p:nvPr/>
           </p:nvCxnSpPr>
@@ -9563,10 +10403,10 @@
         </p:cxnSp>
         <p:cxnSp>
           <p:nvCxnSpPr>
-            <p:cNvPr id="176" name="Google Shape;176;p25"/>
+            <p:cNvPr id="204" name="Google Shape;204;p29"/>
             <p:cNvCxnSpPr>
-              <a:stCxn id="149" idx="6"/>
-              <a:endCxn id="155" idx="2"/>
+              <a:stCxn id="177" idx="6"/>
+              <a:endCxn id="183" idx="2"/>
             </p:cNvCxnSpPr>
             <p:nvPr/>
           </p:nvCxnSpPr>
@@ -9592,10 +10432,10 @@
         </p:cxnSp>
         <p:cxnSp>
           <p:nvCxnSpPr>
-            <p:cNvPr id="177" name="Google Shape;177;p25"/>
+            <p:cNvPr id="205" name="Google Shape;205;p29"/>
             <p:cNvCxnSpPr>
-              <a:stCxn id="150" idx="6"/>
-              <a:endCxn id="155" idx="2"/>
+              <a:stCxn id="178" idx="6"/>
+              <a:endCxn id="183" idx="2"/>
             </p:cNvCxnSpPr>
             <p:nvPr/>
           </p:nvCxnSpPr>
@@ -9621,10 +10461,10 @@
         </p:cxnSp>
         <p:cxnSp>
           <p:nvCxnSpPr>
-            <p:cNvPr id="178" name="Google Shape;178;p25"/>
+            <p:cNvPr id="206" name="Google Shape;206;p29"/>
             <p:cNvCxnSpPr>
-              <a:stCxn id="151" idx="6"/>
-              <a:endCxn id="155" idx="2"/>
+              <a:stCxn id="179" idx="6"/>
+              <a:endCxn id="183" idx="2"/>
             </p:cNvCxnSpPr>
             <p:nvPr/>
           </p:nvCxnSpPr>
@@ -9650,10 +10490,10 @@
         </p:cxnSp>
         <p:cxnSp>
           <p:nvCxnSpPr>
-            <p:cNvPr id="179" name="Google Shape;179;p25"/>
+            <p:cNvPr id="207" name="Google Shape;207;p29"/>
             <p:cNvCxnSpPr>
-              <a:stCxn id="151" idx="6"/>
-              <a:endCxn id="154" idx="2"/>
+              <a:stCxn id="179" idx="6"/>
+              <a:endCxn id="182" idx="2"/>
             </p:cNvCxnSpPr>
             <p:nvPr/>
           </p:nvCxnSpPr>
@@ -9679,10 +10519,10 @@
         </p:cxnSp>
         <p:cxnSp>
           <p:nvCxnSpPr>
-            <p:cNvPr id="180" name="Google Shape;180;p25"/>
+            <p:cNvPr id="208" name="Google Shape;208;p29"/>
             <p:cNvCxnSpPr>
-              <a:stCxn id="150" idx="6"/>
-              <a:endCxn id="154" idx="2"/>
+              <a:stCxn id="178" idx="6"/>
+              <a:endCxn id="182" idx="2"/>
             </p:cNvCxnSpPr>
             <p:nvPr/>
           </p:nvCxnSpPr>
@@ -9708,10 +10548,10 @@
         </p:cxnSp>
         <p:cxnSp>
           <p:nvCxnSpPr>
-            <p:cNvPr id="181" name="Google Shape;181;p25"/>
+            <p:cNvPr id="209" name="Google Shape;209;p29"/>
             <p:cNvCxnSpPr>
-              <a:stCxn id="149" idx="6"/>
-              <a:endCxn id="154" idx="2"/>
+              <a:stCxn id="177" idx="6"/>
+              <a:endCxn id="182" idx="2"/>
             </p:cNvCxnSpPr>
             <p:nvPr/>
           </p:nvCxnSpPr>
@@ -9737,10 +10577,10 @@
         </p:cxnSp>
         <p:cxnSp>
           <p:nvCxnSpPr>
-            <p:cNvPr id="182" name="Google Shape;182;p25"/>
+            <p:cNvPr id="210" name="Google Shape;210;p29"/>
             <p:cNvCxnSpPr>
-              <a:stCxn id="152" idx="6"/>
-              <a:endCxn id="156" idx="2"/>
+              <a:stCxn id="180" idx="6"/>
+              <a:endCxn id="184" idx="2"/>
             </p:cNvCxnSpPr>
             <p:nvPr/>
           </p:nvCxnSpPr>
@@ -9766,10 +10606,10 @@
         </p:cxnSp>
         <p:cxnSp>
           <p:nvCxnSpPr>
-            <p:cNvPr id="183" name="Google Shape;183;p25"/>
+            <p:cNvPr id="211" name="Google Shape;211;p29"/>
             <p:cNvCxnSpPr>
-              <a:stCxn id="153" idx="6"/>
-              <a:endCxn id="156" idx="2"/>
+              <a:stCxn id="181" idx="6"/>
+              <a:endCxn id="184" idx="2"/>
             </p:cNvCxnSpPr>
             <p:nvPr/>
           </p:nvCxnSpPr>
@@ -9795,10 +10635,10 @@
         </p:cxnSp>
         <p:cxnSp>
           <p:nvCxnSpPr>
-            <p:cNvPr id="184" name="Google Shape;184;p25"/>
+            <p:cNvPr id="212" name="Google Shape;212;p29"/>
             <p:cNvCxnSpPr>
-              <a:stCxn id="155" idx="6"/>
-              <a:endCxn id="156" idx="2"/>
+              <a:stCxn id="183" idx="6"/>
+              <a:endCxn id="184" idx="2"/>
             </p:cNvCxnSpPr>
             <p:nvPr/>
           </p:nvCxnSpPr>
@@ -9824,10 +10664,10 @@
         </p:cxnSp>
         <p:cxnSp>
           <p:nvCxnSpPr>
-            <p:cNvPr id="185" name="Google Shape;185;p25"/>
+            <p:cNvPr id="213" name="Google Shape;213;p29"/>
             <p:cNvCxnSpPr>
-              <a:stCxn id="154" idx="6"/>
-              <a:endCxn id="156" idx="2"/>
+              <a:stCxn id="182" idx="6"/>
+              <a:endCxn id="184" idx="2"/>
             </p:cNvCxnSpPr>
             <p:nvPr/>
           </p:nvCxnSpPr>
@@ -9853,10 +10693,10 @@
         </p:cxnSp>
         <p:cxnSp>
           <p:nvCxnSpPr>
-            <p:cNvPr id="186" name="Google Shape;186;p25"/>
+            <p:cNvPr id="214" name="Google Shape;214;p29"/>
             <p:cNvCxnSpPr>
-              <a:stCxn id="152" idx="6"/>
-              <a:endCxn id="157" idx="2"/>
+              <a:stCxn id="180" idx="6"/>
+              <a:endCxn id="185" idx="2"/>
             </p:cNvCxnSpPr>
             <p:nvPr/>
           </p:nvCxnSpPr>
@@ -9882,10 +10722,10 @@
         </p:cxnSp>
         <p:cxnSp>
           <p:nvCxnSpPr>
-            <p:cNvPr id="187" name="Google Shape;187;p25"/>
+            <p:cNvPr id="215" name="Google Shape;215;p29"/>
             <p:cNvCxnSpPr>
-              <a:stCxn id="153" idx="6"/>
-              <a:endCxn id="157" idx="2"/>
+              <a:stCxn id="181" idx="6"/>
+              <a:endCxn id="185" idx="2"/>
             </p:cNvCxnSpPr>
             <p:nvPr/>
           </p:nvCxnSpPr>
@@ -9911,10 +10751,10 @@
         </p:cxnSp>
         <p:cxnSp>
           <p:nvCxnSpPr>
-            <p:cNvPr id="188" name="Google Shape;188;p25"/>
+            <p:cNvPr id="216" name="Google Shape;216;p29"/>
             <p:cNvCxnSpPr>
-              <a:stCxn id="155" idx="6"/>
-              <a:endCxn id="157" idx="2"/>
+              <a:stCxn id="183" idx="6"/>
+              <a:endCxn id="185" idx="2"/>
             </p:cNvCxnSpPr>
             <p:nvPr/>
           </p:nvCxnSpPr>
@@ -9940,10 +10780,10 @@
         </p:cxnSp>
         <p:cxnSp>
           <p:nvCxnSpPr>
-            <p:cNvPr id="189" name="Google Shape;189;p25"/>
+            <p:cNvPr id="217" name="Google Shape;217;p29"/>
             <p:cNvCxnSpPr>
-              <a:stCxn id="154" idx="6"/>
-              <a:endCxn id="157" idx="2"/>
+              <a:stCxn id="182" idx="6"/>
+              <a:endCxn id="185" idx="2"/>
             </p:cNvCxnSpPr>
             <p:nvPr/>
           </p:nvCxnSpPr>
@@ -9970,7 +10810,7 @@
       </p:grpSp>
       <p:sp>
         <p:nvSpPr>
-          <p:cNvPr id="190" name="Google Shape;190;p25"/>
+          <p:cNvPr id="218" name="Google Shape;218;p29"/>
           <p:cNvSpPr/>
           <p:nvPr/>
         </p:nvSpPr>
@@ -10022,7 +10862,7 @@
       </p:sp>
       <p:sp>
         <p:nvSpPr>
-          <p:cNvPr id="191" name="Google Shape;191;p25"/>
+          <p:cNvPr id="219" name="Google Shape;219;p29"/>
           <p:cNvSpPr/>
           <p:nvPr/>
         </p:nvSpPr>
@@ -10080,12 +10920,12 @@
 </p:sld>
 </file>
 
-<file path=ppt/slides/slide14.xml><?xml version="1.0" encoding="utf-8"?>
+<file path=ppt/slides/slide18.xml><?xml version="1.0" encoding="utf-8"?>
 <p:sld xmlns:a="http://schemas.openxmlformats.org/drawingml/2006/main" xmlns:r="http://schemas.openxmlformats.org/officeDocument/2006/relationships" xmlns:mc="http://schemas.openxmlformats.org/markup-compatibility/2006" xmlns:mv="urn:schemas-microsoft-com:mac:vml" xmlns:p="http://schemas.openxmlformats.org/presentationml/2006/main" xmlns:c="http://schemas.openxmlformats.org/drawingml/2006/chart" xmlns:dgm="http://schemas.openxmlformats.org/drawingml/2006/diagram" xmlns:o="urn:schemas-microsoft-com:office:office" xmlns:v="urn:schemas-microsoft-com:vml" xmlns:pvml="urn:schemas-microsoft-com:office:powerpoint" xmlns:com="http://schemas.openxmlformats.org/drawingml/2006/compatibility" xmlns:p14="http://schemas.microsoft.com/office/powerpoint/2010/main" xmlns:p15="http://schemas.microsoft.com/office/powerpoint/2012/main" xmlns:ahyp="http://schemas.microsoft.com/office/drawing/2018/hyperlinkcolor">
   <p:cSld>
     <p:spTree>
       <p:nvGrpSpPr>
-        <p:cNvPr id="195" name="Shape 195"/>
+        <p:cNvPr id="223" name="Shape 223"/>
         <p:cNvGrpSpPr/>
         <p:nvPr/>
       </p:nvGrpSpPr>
@@ -10099,7 +10939,7 @@
       </p:grpSpPr>
       <p:sp>
         <p:nvSpPr>
-          <p:cNvPr id="196" name="Google Shape;196;p26"/>
+          <p:cNvPr id="224" name="Google Shape;224;p30"/>
           <p:cNvSpPr txBox="1"/>
           <p:nvPr>
             <p:ph type="title"/>
@@ -10139,7 +10979,7 @@
       </p:sp>
       <p:sp>
         <p:nvSpPr>
-          <p:cNvPr id="197" name="Google Shape;197;p26"/>
+          <p:cNvPr id="225" name="Google Shape;225;p30"/>
           <p:cNvSpPr/>
           <p:nvPr/>
         </p:nvSpPr>
@@ -10190,7 +11030,7 @@
       </p:sp>
       <p:sp>
         <p:nvSpPr>
-          <p:cNvPr id="198" name="Google Shape;198;p26"/>
+          <p:cNvPr id="226" name="Google Shape;226;p30"/>
           <p:cNvSpPr/>
           <p:nvPr/>
         </p:nvSpPr>
@@ -10242,7 +11082,7 @@
       </p:sp>
       <p:sp>
         <p:nvSpPr>
-          <p:cNvPr id="199" name="Google Shape;199;p26"/>
+          <p:cNvPr id="227" name="Google Shape;227;p30"/>
           <p:cNvSpPr/>
           <p:nvPr/>
         </p:nvSpPr>
@@ -10294,7 +11134,7 @@
       </p:sp>
       <p:sp>
         <p:nvSpPr>
-          <p:cNvPr id="200" name="Google Shape;200;p26"/>
+          <p:cNvPr id="228" name="Google Shape;228;p30"/>
           <p:cNvSpPr/>
           <p:nvPr/>
         </p:nvSpPr>
@@ -10346,7 +11186,7 @@
       </p:sp>
       <p:sp>
         <p:nvSpPr>
-          <p:cNvPr id="201" name="Google Shape;201;p26"/>
+          <p:cNvPr id="229" name="Google Shape;229;p30"/>
           <p:cNvSpPr/>
           <p:nvPr/>
         </p:nvSpPr>
@@ -10398,7 +11238,7 @@
       </p:sp>
       <p:sp>
         <p:nvSpPr>
-          <p:cNvPr id="202" name="Google Shape;202;p26"/>
+          <p:cNvPr id="230" name="Google Shape;230;p30"/>
           <p:cNvSpPr/>
           <p:nvPr/>
         </p:nvSpPr>
@@ -10458,7 +11298,7 @@
       </p:sp>
       <p:sp>
         <p:nvSpPr>
-          <p:cNvPr id="203" name="Google Shape;203;p26"/>
+          <p:cNvPr id="231" name="Google Shape;231;p30"/>
           <p:cNvSpPr/>
           <p:nvPr/>
         </p:nvSpPr>
@@ -10510,7 +11350,7 @@
       </p:sp>
       <p:sp>
         <p:nvSpPr>
-          <p:cNvPr id="204" name="Google Shape;204;p26"/>
+          <p:cNvPr id="232" name="Google Shape;232;p30"/>
           <p:cNvSpPr txBox="1"/>
           <p:nvPr/>
         </p:nvSpPr>
@@ -12093,12 +12933,12 @@
 </p:sld>
 </file>
 
-<file path=ppt/slides/slide15.xml><?xml version="1.0" encoding="utf-8"?>
+<file path=ppt/slides/slide19.xml><?xml version="1.0" encoding="utf-8"?>
 <p:sld xmlns:a="http://schemas.openxmlformats.org/drawingml/2006/main" xmlns:r="http://schemas.openxmlformats.org/officeDocument/2006/relationships" xmlns:mc="http://schemas.openxmlformats.org/markup-compatibility/2006" xmlns:mv="urn:schemas-microsoft-com:mac:vml" xmlns:p="http://schemas.openxmlformats.org/presentationml/2006/main" xmlns:c="http://schemas.openxmlformats.org/drawingml/2006/chart" xmlns:dgm="http://schemas.openxmlformats.org/drawingml/2006/diagram" xmlns:o="urn:schemas-microsoft-com:office:office" xmlns:v="urn:schemas-microsoft-com:vml" xmlns:pvml="urn:schemas-microsoft-com:office:powerpoint" xmlns:com="http://schemas.openxmlformats.org/drawingml/2006/compatibility" xmlns:p14="http://schemas.microsoft.com/office/powerpoint/2010/main" xmlns:p15="http://schemas.microsoft.com/office/powerpoint/2012/main" xmlns:ahyp="http://schemas.microsoft.com/office/drawing/2018/hyperlinkcolor">
   <p:cSld>
     <p:spTree>
       <p:nvGrpSpPr>
-        <p:cNvPr id="208" name="Shape 208"/>
+        <p:cNvPr id="236" name="Shape 236"/>
         <p:cNvGrpSpPr/>
         <p:nvPr/>
       </p:nvGrpSpPr>
@@ -12112,7 +12952,7 @@
       </p:grpSpPr>
       <p:sp>
         <p:nvSpPr>
-          <p:cNvPr id="209" name="Google Shape;209;p27"/>
+          <p:cNvPr id="237" name="Google Shape;237;p31"/>
           <p:cNvSpPr txBox="1"/>
           <p:nvPr>
             <p:ph type="title"/>
@@ -12152,7 +12992,7 @@
       </p:sp>
       <p:sp>
         <p:nvSpPr>
-          <p:cNvPr id="210" name="Google Shape;210;p27"/>
+          <p:cNvPr id="238" name="Google Shape;238;p31"/>
           <p:cNvSpPr txBox="1"/>
           <p:nvPr>
             <p:ph idx="1" type="body"/>
@@ -12228,6 +13068,37 @@
             <a:r>
               <a:rPr lang="pt-BR"/>
               <a:t>Remove "sin" from the unary_operators list. Can PySR approximate the sine wave using Taylor expansion terms (polynomials)?</a:t>
+            </a:r>
+            <a:endParaRPr/>
+          </a:p>
+          <a:p>
+            <a:pPr indent="0" lvl="0" marL="0" rtl="0" algn="l">
+              <a:spcBef>
+                <a:spcPts val="1200"/>
+              </a:spcBef>
+              <a:spcAft>
+                <a:spcPts val="0"/>
+              </a:spcAft>
+              <a:buNone/>
+            </a:pPr>
+            <a:r>
+              <a:t/>
+            </a:r>
+            <a:endParaRPr/>
+          </a:p>
+          <a:p>
+            <a:pPr indent="0" lvl="0" marL="0" rtl="0" algn="l">
+              <a:spcBef>
+                <a:spcPts val="1200"/>
+              </a:spcBef>
+              <a:spcAft>
+                <a:spcPts val="1200"/>
+              </a:spcAft>
+              <a:buNone/>
+            </a:pPr>
+            <a:r>
+              <a:rPr lang="pt-BR"/>
+              <a:t>pedrogasparetto@ymail.com</a:t>
             </a:r>
             <a:endParaRPr/>
           </a:p>
@@ -12292,52 +13163,40 @@
             </a:pPr>
             <a:r>
               <a:rPr lang="pt-BR"/>
-              <a:t>What we want now?</a:t>
+              <a:t>Last class</a:t>
             </a:r>
             <a:endParaRPr/>
           </a:p>
         </p:txBody>
       </p:sp>
-      <p:sp>
-        <p:nvSpPr>
+      <p:pic>
+        <p:nvPicPr>
           <p:cNvPr id="68" name="Google Shape;68;p14"/>
-          <p:cNvSpPr txBox="1"/>
-          <p:nvPr>
-            <p:ph idx="1" type="body"/>
-          </p:nvPr>
-        </p:nvSpPr>
+          <p:cNvPicPr preferRelativeResize="0"/>
+          <p:nvPr/>
+        </p:nvPicPr>
+        <p:blipFill>
+          <a:blip r:embed="rId3">
+            <a:alphaModFix/>
+          </a:blip>
+          <a:stretch>
+            <a:fillRect/>
+          </a:stretch>
+        </p:blipFill>
         <p:spPr>
           <a:xfrm>
-            <a:off x="311700" y="1225225"/>
-            <a:ext cx="8520600" cy="3354000"/>
+            <a:off x="1421938" y="1050375"/>
+            <a:ext cx="6300119" cy="3691476"/>
           </a:xfrm>
           <a:prstGeom prst="rect">
             <a:avLst/>
           </a:prstGeom>
+          <a:noFill/>
+          <a:ln>
+            <a:noFill/>
+          </a:ln>
         </p:spPr>
-        <p:txBody>
-          <a:bodyPr anchorCtr="0" anchor="t" bIns="91425" lIns="91425" spcFirstLastPara="1" rIns="91425" wrap="square" tIns="91425">
-            <a:normAutofit/>
-          </a:bodyPr>
-          <a:lstStyle/>
-          <a:p>
-            <a:pPr indent="0" lvl="0" marL="0" rtl="0" algn="l">
-              <a:spcBef>
-                <a:spcPts val="0"/>
-              </a:spcBef>
-              <a:spcAft>
-                <a:spcPts val="1200"/>
-              </a:spcAft>
-              <a:buNone/>
-            </a:pPr>
-            <a:r>
-              <a:rPr lang="pt-BR"/>
-              <a:t>Analytical soluto</a:t>
-            </a:r>
-            <a:endParaRPr/>
-          </a:p>
-        </p:txBody>
-      </p:sp>
+      </p:pic>
     </p:spTree>
   </p:cSld>
   <p:clrMapOvr>
@@ -12397,7 +13256,7 @@
             </a:pPr>
             <a:r>
               <a:rPr lang="pt-BR"/>
-              <a:t>Genetic algorithms</a:t>
+              <a:t>Next step</a:t>
             </a:r>
             <a:endParaRPr/>
           </a:p>
@@ -12409,17 +13268,18 @@
           <p:cNvPicPr preferRelativeResize="0"/>
           <p:nvPr/>
         </p:nvPicPr>
-        <p:blipFill rotWithShape="1">
+        <p:blipFill>
           <a:blip r:embed="rId3">
             <a:alphaModFix/>
           </a:blip>
-          <a:srcRect b="8717" l="0" r="0" t="0"/>
-          <a:stretch/>
+          <a:stretch>
+            <a:fillRect/>
+          </a:stretch>
         </p:blipFill>
         <p:spPr>
           <a:xfrm>
-            <a:off x="4637600" y="356425"/>
-            <a:ext cx="4082100" cy="4294800"/>
+            <a:off x="3628922" y="81100"/>
+            <a:ext cx="5371326" cy="4818700"/>
           </a:xfrm>
           <a:prstGeom prst="rect">
             <a:avLst/>
@@ -12430,24 +13290,16 @@
           </a:ln>
         </p:spPr>
       </p:pic>
-      <p:pic>
-        <p:nvPicPr>
+      <p:sp>
+        <p:nvSpPr>
           <p:cNvPr id="75" name="Google Shape;75;p15"/>
-          <p:cNvPicPr preferRelativeResize="0"/>
+          <p:cNvSpPr txBox="1"/>
           <p:nvPr/>
-        </p:nvPicPr>
-        <p:blipFill>
-          <a:blip r:embed="rId4">
-            <a:alphaModFix/>
-          </a:blip>
-          <a:stretch>
-            <a:fillRect/>
-          </a:stretch>
-        </p:blipFill>
+        </p:nvSpPr>
         <p:spPr>
           <a:xfrm>
-            <a:off x="173125" y="1765525"/>
-            <a:ext cx="4340899" cy="2362485"/>
+            <a:off x="256500" y="1434100"/>
+            <a:ext cx="3000000" cy="3324600"/>
           </a:xfrm>
           <a:prstGeom prst="rect">
             <a:avLst/>
@@ -12457,7 +13309,111 @@
             <a:noFill/>
           </a:ln>
         </p:spPr>
-      </p:pic>
+        <p:txBody>
+          <a:bodyPr anchorCtr="0" anchor="t" bIns="91425" lIns="91425" spcFirstLastPara="1" rIns="91425" wrap="square" tIns="91425">
+            <a:spAutoFit/>
+          </a:bodyPr>
+          <a:lstStyle/>
+          <a:p>
+            <a:pPr indent="0" lvl="0" marL="0" rtl="0" algn="l">
+              <a:lnSpc>
+                <a:spcPct val="140000"/>
+              </a:lnSpc>
+              <a:spcBef>
+                <a:spcPts val="0"/>
+              </a:spcBef>
+              <a:spcAft>
+                <a:spcPts val="0"/>
+              </a:spcAft>
+              <a:buNone/>
+            </a:pPr>
+            <a:r>
+              <a:rPr lang="pt-BR" sz="1500">
+                <a:solidFill>
+                  <a:srgbClr val="161616"/>
+                </a:solidFill>
+                <a:highlight>
+                  <a:srgbClr val="FFFFFF"/>
+                </a:highlight>
+              </a:rPr>
+              <a:t>Knowledge distillation is a </a:t>
+            </a:r>
+            <a:r>
+              <a:rPr lang="pt-BR" sz="1500">
+                <a:solidFill>
+                  <a:srgbClr val="0F62FE"/>
+                </a:solidFill>
+                <a:highlight>
+                  <a:srgbClr val="FFFFFF"/>
+                </a:highlight>
+                <a:uFill>
+                  <a:noFill/>
+                </a:uFill>
+                <a:hlinkClick r:id="rId4">
+                  <a:extLst>
+                    <a:ext uri="{A12FA001-AC4F-418D-AE19-62706E023703}">
+                      <ahyp:hlinkClr val="tx"/>
+                    </a:ext>
+                  </a:extLst>
+                </a:hlinkClick>
+              </a:rPr>
+              <a:t>machine learning</a:t>
+            </a:r>
+            <a:r>
+              <a:rPr lang="pt-BR" sz="1500">
+                <a:solidFill>
+                  <a:srgbClr val="161616"/>
+                </a:solidFill>
+                <a:highlight>
+                  <a:srgbClr val="FFFFFF"/>
+                </a:highlight>
+              </a:rPr>
+              <a:t> technique that aims to transfer the learnings of a large pre-trained model, the “teacher model,” to a smaller “student model.” It’s used in </a:t>
+            </a:r>
+            <a:r>
+              <a:rPr lang="pt-BR" sz="1500">
+                <a:solidFill>
+                  <a:srgbClr val="0F62FE"/>
+                </a:solidFill>
+                <a:highlight>
+                  <a:srgbClr val="FFFFFF"/>
+                </a:highlight>
+                <a:uFill>
+                  <a:noFill/>
+                </a:uFill>
+                <a:hlinkClick r:id="rId5">
+                  <a:extLst>
+                    <a:ext uri="{A12FA001-AC4F-418D-AE19-62706E023703}">
+                      <ahyp:hlinkClr val="tx"/>
+                    </a:ext>
+                  </a:extLst>
+                </a:hlinkClick>
+              </a:rPr>
+              <a:t>deep learning</a:t>
+            </a:r>
+            <a:r>
+              <a:rPr lang="pt-BR" sz="1500">
+                <a:solidFill>
+                  <a:srgbClr val="161616"/>
+                </a:solidFill>
+                <a:highlight>
+                  <a:srgbClr val="FFFFFF"/>
+                </a:highlight>
+              </a:rPr>
+              <a:t> as a form of model compression and knowledge transfer, particularly for massive deep neural networks.</a:t>
+            </a:r>
+            <a:endParaRPr sz="1800">
+              <a:solidFill>
+                <a:schemeClr val="dk1"/>
+              </a:solidFill>
+              <a:latin typeface="Open Sans"/>
+              <a:ea typeface="Open Sans"/>
+              <a:cs typeface="Open Sans"/>
+              <a:sym typeface="Open Sans"/>
+            </a:endParaRPr>
+          </a:p>
+        </p:txBody>
+      </p:sp>
     </p:spTree>
   </p:cSld>
   <p:clrMapOvr>
@@ -12517,7 +13473,7 @@
             </a:pPr>
             <a:r>
               <a:rPr lang="pt-BR"/>
-              <a:t>Arithmetic trees</a:t>
+              <a:t>Genetic algorithms</a:t>
             </a:r>
             <a:endParaRPr/>
           </a:p>
@@ -12526,6 +13482,126 @@
       <p:pic>
         <p:nvPicPr>
           <p:cNvPr id="81" name="Google Shape;81;p16"/>
+          <p:cNvPicPr preferRelativeResize="0"/>
+          <p:nvPr/>
+        </p:nvPicPr>
+        <p:blipFill rotWithShape="1">
+          <a:blip r:embed="rId3">
+            <a:alphaModFix/>
+          </a:blip>
+          <a:srcRect b="8717" l="0" r="0" t="0"/>
+          <a:stretch/>
+        </p:blipFill>
+        <p:spPr>
+          <a:xfrm>
+            <a:off x="4637600" y="356425"/>
+            <a:ext cx="4082100" cy="4294800"/>
+          </a:xfrm>
+          <a:prstGeom prst="rect">
+            <a:avLst/>
+          </a:prstGeom>
+          <a:noFill/>
+          <a:ln>
+            <a:noFill/>
+          </a:ln>
+        </p:spPr>
+      </p:pic>
+      <p:pic>
+        <p:nvPicPr>
+          <p:cNvPr id="82" name="Google Shape;82;p16"/>
+          <p:cNvPicPr preferRelativeResize="0"/>
+          <p:nvPr/>
+        </p:nvPicPr>
+        <p:blipFill>
+          <a:blip r:embed="rId4">
+            <a:alphaModFix/>
+          </a:blip>
+          <a:stretch>
+            <a:fillRect/>
+          </a:stretch>
+        </p:blipFill>
+        <p:spPr>
+          <a:xfrm>
+            <a:off x="173125" y="1765525"/>
+            <a:ext cx="4340899" cy="2362485"/>
+          </a:xfrm>
+          <a:prstGeom prst="rect">
+            <a:avLst/>
+          </a:prstGeom>
+          <a:noFill/>
+          <a:ln>
+            <a:noFill/>
+          </a:ln>
+        </p:spPr>
+      </p:pic>
+    </p:spTree>
+  </p:cSld>
+  <p:clrMapOvr>
+    <a:masterClrMapping/>
+  </p:clrMapOvr>
+</p:sld>
+</file>
+
+<file path=ppt/slides/slide5.xml><?xml version="1.0" encoding="utf-8"?>
+<p:sld xmlns:a="http://schemas.openxmlformats.org/drawingml/2006/main" xmlns:r="http://schemas.openxmlformats.org/officeDocument/2006/relationships" xmlns:mc="http://schemas.openxmlformats.org/markup-compatibility/2006" xmlns:mv="urn:schemas-microsoft-com:mac:vml" xmlns:p="http://schemas.openxmlformats.org/presentationml/2006/main" xmlns:c="http://schemas.openxmlformats.org/drawingml/2006/chart" xmlns:dgm="http://schemas.openxmlformats.org/drawingml/2006/diagram" xmlns:o="urn:schemas-microsoft-com:office:office" xmlns:v="urn:schemas-microsoft-com:vml" xmlns:pvml="urn:schemas-microsoft-com:office:powerpoint" xmlns:com="http://schemas.openxmlformats.org/drawingml/2006/compatibility" xmlns:p14="http://schemas.microsoft.com/office/powerpoint/2010/main" xmlns:p15="http://schemas.microsoft.com/office/powerpoint/2012/main" xmlns:ahyp="http://schemas.microsoft.com/office/drawing/2018/hyperlinkcolor">
+  <p:cSld>
+    <p:spTree>
+      <p:nvGrpSpPr>
+        <p:cNvPr id="86" name="Shape 86"/>
+        <p:cNvGrpSpPr/>
+        <p:nvPr/>
+      </p:nvGrpSpPr>
+      <p:grpSpPr>
+        <a:xfrm>
+          <a:off x="0" y="0"/>
+          <a:ext cx="0" cy="0"/>
+          <a:chOff x="0" y="0"/>
+          <a:chExt cx="0" cy="0"/>
+        </a:xfrm>
+      </p:grpSpPr>
+      <p:sp>
+        <p:nvSpPr>
+          <p:cNvPr id="87" name="Google Shape;87;p17"/>
+          <p:cNvSpPr txBox="1"/>
+          <p:nvPr>
+            <p:ph type="title"/>
+          </p:nvPr>
+        </p:nvSpPr>
+        <p:spPr>
+          <a:xfrm>
+            <a:off x="311700" y="315925"/>
+            <a:ext cx="8520600" cy="831300"/>
+          </a:xfrm>
+          <a:prstGeom prst="rect">
+            <a:avLst/>
+          </a:prstGeom>
+        </p:spPr>
+        <p:txBody>
+          <a:bodyPr anchorCtr="0" anchor="b" bIns="91425" lIns="91425" spcFirstLastPara="1" rIns="91425" wrap="square" tIns="91425">
+            <a:normAutofit/>
+          </a:bodyPr>
+          <a:lstStyle/>
+          <a:p>
+            <a:pPr indent="0" lvl="0" marL="0" rtl="0" algn="l">
+              <a:spcBef>
+                <a:spcPts val="0"/>
+              </a:spcBef>
+              <a:spcAft>
+                <a:spcPts val="0"/>
+              </a:spcAft>
+              <a:buNone/>
+            </a:pPr>
+            <a:r>
+              <a:rPr lang="pt-BR"/>
+              <a:t>Arithmetic trees</a:t>
+            </a:r>
+            <a:endParaRPr/>
+          </a:p>
+        </p:txBody>
+      </p:sp>
+      <p:pic>
+        <p:nvPicPr>
+          <p:cNvPr id="88" name="Google Shape;88;p17"/>
           <p:cNvPicPr preferRelativeResize="0"/>
           <p:nvPr/>
         </p:nvPicPr>
@@ -12559,12 +13635,12 @@
 </p:sld>
 </file>
 
-<file path=ppt/slides/slide5.xml><?xml version="1.0" encoding="utf-8"?>
+<file path=ppt/slides/slide6.xml><?xml version="1.0" encoding="utf-8"?>
 <p:sld xmlns:a="http://schemas.openxmlformats.org/drawingml/2006/main" xmlns:r="http://schemas.openxmlformats.org/officeDocument/2006/relationships" xmlns:mc="http://schemas.openxmlformats.org/markup-compatibility/2006" xmlns:mv="urn:schemas-microsoft-com:mac:vml" xmlns:p="http://schemas.openxmlformats.org/presentationml/2006/main" xmlns:c="http://schemas.openxmlformats.org/drawingml/2006/chart" xmlns:dgm="http://schemas.openxmlformats.org/drawingml/2006/diagram" xmlns:o="urn:schemas-microsoft-com:office:office" xmlns:v="urn:schemas-microsoft-com:vml" xmlns:pvml="urn:schemas-microsoft-com:office:powerpoint" xmlns:com="http://schemas.openxmlformats.org/drawingml/2006/compatibility" xmlns:p14="http://schemas.microsoft.com/office/powerpoint/2010/main" xmlns:p15="http://schemas.microsoft.com/office/powerpoint/2012/main" xmlns:ahyp="http://schemas.microsoft.com/office/drawing/2018/hyperlinkcolor">
   <p:cSld>
     <p:spTree>
       <p:nvGrpSpPr>
-        <p:cNvPr id="85" name="Shape 85"/>
+        <p:cNvPr id="92" name="Shape 92"/>
         <p:cNvGrpSpPr/>
         <p:nvPr/>
       </p:nvGrpSpPr>
@@ -12578,7 +13654,7 @@
       </p:grpSpPr>
       <p:sp>
         <p:nvSpPr>
-          <p:cNvPr id="86" name="Google Shape;86;p17"/>
+          <p:cNvPr id="93" name="Google Shape;93;p18"/>
           <p:cNvSpPr txBox="1"/>
           <p:nvPr>
             <p:ph type="title"/>
@@ -12618,7 +13694,7 @@
       </p:sp>
       <p:pic>
         <p:nvPicPr>
-          <p:cNvPr id="87" name="Google Shape;87;p17"/>
+          <p:cNvPr id="94" name="Google Shape;94;p18"/>
           <p:cNvPicPr preferRelativeResize="0"/>
           <p:nvPr/>
         </p:nvPicPr>
@@ -12652,12 +13728,12 @@
 </p:sld>
 </file>
 
-<file path=ppt/slides/slide6.xml><?xml version="1.0" encoding="utf-8"?>
+<file path=ppt/slides/slide7.xml><?xml version="1.0" encoding="utf-8"?>
 <p:sld xmlns:a="http://schemas.openxmlformats.org/drawingml/2006/main" xmlns:r="http://schemas.openxmlformats.org/officeDocument/2006/relationships" xmlns:mc="http://schemas.openxmlformats.org/markup-compatibility/2006" xmlns:mv="urn:schemas-microsoft-com:mac:vml" xmlns:p="http://schemas.openxmlformats.org/presentationml/2006/main" xmlns:c="http://schemas.openxmlformats.org/drawingml/2006/chart" xmlns:dgm="http://schemas.openxmlformats.org/drawingml/2006/diagram" xmlns:o="urn:schemas-microsoft-com:office:office" xmlns:v="urn:schemas-microsoft-com:vml" xmlns:pvml="urn:schemas-microsoft-com:office:powerpoint" xmlns:com="http://schemas.openxmlformats.org/drawingml/2006/compatibility" xmlns:p14="http://schemas.microsoft.com/office/powerpoint/2010/main" xmlns:p15="http://schemas.microsoft.com/office/powerpoint/2012/main" xmlns:ahyp="http://schemas.microsoft.com/office/drawing/2018/hyperlinkcolor">
   <p:cSld>
     <p:spTree>
       <p:nvGrpSpPr>
-        <p:cNvPr id="91" name="Shape 91"/>
+        <p:cNvPr id="98" name="Shape 98"/>
         <p:cNvGrpSpPr/>
         <p:nvPr/>
       </p:nvGrpSpPr>
@@ -12671,7 +13747,7 @@
       </p:grpSpPr>
       <p:sp>
         <p:nvSpPr>
-          <p:cNvPr id="92" name="Google Shape;92;p18"/>
+          <p:cNvPr id="99" name="Google Shape;99;p19"/>
           <p:cNvSpPr txBox="1"/>
           <p:nvPr>
             <p:ph type="title"/>
@@ -12711,7 +13787,7 @@
       </p:sp>
       <p:pic>
         <p:nvPicPr>
-          <p:cNvPr id="93" name="Google Shape;93;p18"/>
+          <p:cNvPr id="100" name="Google Shape;100;p19"/>
           <p:cNvPicPr preferRelativeResize="0"/>
           <p:nvPr/>
         </p:nvPicPr>
@@ -12745,12 +13821,12 @@
 </p:sld>
 </file>
 
-<file path=ppt/slides/slide7.xml><?xml version="1.0" encoding="utf-8"?>
+<file path=ppt/slides/slide8.xml><?xml version="1.0" encoding="utf-8"?>
 <p:sld xmlns:a="http://schemas.openxmlformats.org/drawingml/2006/main" xmlns:r="http://schemas.openxmlformats.org/officeDocument/2006/relationships" xmlns:mc="http://schemas.openxmlformats.org/markup-compatibility/2006" xmlns:mv="urn:schemas-microsoft-com:mac:vml" xmlns:p="http://schemas.openxmlformats.org/presentationml/2006/main" xmlns:c="http://schemas.openxmlformats.org/drawingml/2006/chart" xmlns:dgm="http://schemas.openxmlformats.org/drawingml/2006/diagram" xmlns:o="urn:schemas-microsoft-com:office:office" xmlns:v="urn:schemas-microsoft-com:vml" xmlns:pvml="urn:schemas-microsoft-com:office:powerpoint" xmlns:com="http://schemas.openxmlformats.org/drawingml/2006/compatibility" xmlns:p14="http://schemas.microsoft.com/office/powerpoint/2010/main" xmlns:p15="http://schemas.microsoft.com/office/powerpoint/2012/main" xmlns:ahyp="http://schemas.microsoft.com/office/drawing/2018/hyperlinkcolor">
   <p:cSld>
     <p:spTree>
       <p:nvGrpSpPr>
-        <p:cNvPr id="97" name="Shape 97"/>
+        <p:cNvPr id="104" name="Shape 104"/>
         <p:cNvGrpSpPr/>
         <p:nvPr/>
       </p:nvGrpSpPr>
@@ -12764,7 +13840,7 @@
       </p:grpSpPr>
       <p:sp>
         <p:nvSpPr>
-          <p:cNvPr id="98" name="Google Shape;98;p19"/>
+          <p:cNvPr id="105" name="Google Shape;105;p20"/>
           <p:cNvSpPr txBox="1"/>
           <p:nvPr>
             <p:ph type="title"/>
@@ -12804,7 +13880,7 @@
       </p:sp>
       <p:pic>
         <p:nvPicPr>
-          <p:cNvPr id="99" name="Google Shape;99;p19"/>
+          <p:cNvPr id="106" name="Google Shape;106;p20"/>
           <p:cNvPicPr preferRelativeResize="0"/>
           <p:nvPr/>
         </p:nvPicPr>
@@ -12832,7 +13908,7 @@
       </p:pic>
       <p:pic>
         <p:nvPicPr>
-          <p:cNvPr id="100" name="Google Shape;100;p19" title="pysr.mp4">
+          <p:cNvPr id="107" name="Google Shape;107;p20" title="pysr.mp4">
             <a:hlinkClick r:id="rId4"/>
           </p:cNvPr>
           <p:cNvPicPr preferRelativeResize="0"/>
@@ -12862,7 +13938,7 @@
       </p:pic>
       <p:pic>
         <p:nvPicPr>
-          <p:cNvPr id="101" name="Google Shape;101;p19"/>
+          <p:cNvPr id="108" name="Google Shape;108;p20"/>
           <p:cNvPicPr preferRelativeResize="0"/>
           <p:nvPr/>
         </p:nvPicPr>
@@ -12896,12 +13972,12 @@
 </p:sld>
 </file>
 
-<file path=ppt/slides/slide8.xml><?xml version="1.0" encoding="utf-8"?>
+<file path=ppt/slides/slide9.xml><?xml version="1.0" encoding="utf-8"?>
 <p:sld xmlns:a="http://schemas.openxmlformats.org/drawingml/2006/main" xmlns:r="http://schemas.openxmlformats.org/officeDocument/2006/relationships" xmlns:mc="http://schemas.openxmlformats.org/markup-compatibility/2006" xmlns:mv="urn:schemas-microsoft-com:mac:vml" xmlns:p="http://schemas.openxmlformats.org/presentationml/2006/main" xmlns:c="http://schemas.openxmlformats.org/drawingml/2006/chart" xmlns:dgm="http://schemas.openxmlformats.org/drawingml/2006/diagram" xmlns:o="urn:schemas-microsoft-com:office:office" xmlns:v="urn:schemas-microsoft-com:vml" xmlns:pvml="urn:schemas-microsoft-com:office:powerpoint" xmlns:com="http://schemas.openxmlformats.org/drawingml/2006/compatibility" xmlns:p14="http://schemas.microsoft.com/office/powerpoint/2010/main" xmlns:p15="http://schemas.microsoft.com/office/powerpoint/2012/main" xmlns:ahyp="http://schemas.microsoft.com/office/drawing/2018/hyperlinkcolor">
   <p:cSld>
     <p:spTree>
       <p:nvGrpSpPr>
-        <p:cNvPr id="105" name="Shape 105"/>
+        <p:cNvPr id="112" name="Shape 112"/>
         <p:cNvGrpSpPr/>
         <p:nvPr/>
       </p:nvGrpSpPr>
@@ -12915,7 +13991,7 @@
       </p:grpSpPr>
       <p:sp>
         <p:nvSpPr>
-          <p:cNvPr id="106" name="Google Shape;106;p20"/>
+          <p:cNvPr id="113" name="Google Shape;113;p21"/>
           <p:cNvSpPr txBox="1"/>
           <p:nvPr>
             <p:ph type="title"/>
@@ -12955,7 +14031,7 @@
       </p:sp>
       <p:pic>
         <p:nvPicPr>
-          <p:cNvPr id="107" name="Google Shape;107;p20"/>
+          <p:cNvPr id="114" name="Google Shape;114;p21"/>
           <p:cNvPicPr preferRelativeResize="0"/>
           <p:nvPr/>
         </p:nvPicPr>
@@ -12971,99 +14047,6 @@
           <a:xfrm>
             <a:off x="840438" y="1278225"/>
             <a:ext cx="7463122" cy="3691476"/>
-          </a:xfrm>
-          <a:prstGeom prst="rect">
-            <a:avLst/>
-          </a:prstGeom>
-          <a:noFill/>
-          <a:ln>
-            <a:noFill/>
-          </a:ln>
-        </p:spPr>
-      </p:pic>
-    </p:spTree>
-  </p:cSld>
-  <p:clrMapOvr>
-    <a:masterClrMapping/>
-  </p:clrMapOvr>
-</p:sld>
-</file>
-
-<file path=ppt/slides/slide9.xml><?xml version="1.0" encoding="utf-8"?>
-<p:sld xmlns:a="http://schemas.openxmlformats.org/drawingml/2006/main" xmlns:r="http://schemas.openxmlformats.org/officeDocument/2006/relationships" xmlns:mc="http://schemas.openxmlformats.org/markup-compatibility/2006" xmlns:mv="urn:schemas-microsoft-com:mac:vml" xmlns:p="http://schemas.openxmlformats.org/presentationml/2006/main" xmlns:c="http://schemas.openxmlformats.org/drawingml/2006/chart" xmlns:dgm="http://schemas.openxmlformats.org/drawingml/2006/diagram" xmlns:o="urn:schemas-microsoft-com:office:office" xmlns:v="urn:schemas-microsoft-com:vml" xmlns:pvml="urn:schemas-microsoft-com:office:powerpoint" xmlns:com="http://schemas.openxmlformats.org/drawingml/2006/compatibility" xmlns:p14="http://schemas.microsoft.com/office/powerpoint/2010/main" xmlns:p15="http://schemas.microsoft.com/office/powerpoint/2012/main" xmlns:ahyp="http://schemas.microsoft.com/office/drawing/2018/hyperlinkcolor">
-  <p:cSld>
-    <p:spTree>
-      <p:nvGrpSpPr>
-        <p:cNvPr id="111" name="Shape 111"/>
-        <p:cNvGrpSpPr/>
-        <p:nvPr/>
-      </p:nvGrpSpPr>
-      <p:grpSpPr>
-        <a:xfrm>
-          <a:off x="0" y="0"/>
-          <a:ext cx="0" cy="0"/>
-          <a:chOff x="0" y="0"/>
-          <a:chExt cx="0" cy="0"/>
-        </a:xfrm>
-      </p:grpSpPr>
-      <p:sp>
-        <p:nvSpPr>
-          <p:cNvPr id="112" name="Google Shape;112;p21"/>
-          <p:cNvSpPr txBox="1"/>
-          <p:nvPr>
-            <p:ph type="title"/>
-          </p:nvPr>
-        </p:nvSpPr>
-        <p:spPr>
-          <a:xfrm>
-            <a:off x="311700" y="315925"/>
-            <a:ext cx="8520600" cy="831300"/>
-          </a:xfrm>
-          <a:prstGeom prst="rect">
-            <a:avLst/>
-          </a:prstGeom>
-        </p:spPr>
-        <p:txBody>
-          <a:bodyPr anchorCtr="0" anchor="b" bIns="91425" lIns="91425" spcFirstLastPara="1" rIns="91425" wrap="square" tIns="91425">
-            <a:normAutofit/>
-          </a:bodyPr>
-          <a:lstStyle/>
-          <a:p>
-            <a:pPr indent="0" lvl="0" marL="0" rtl="0" algn="l">
-              <a:spcBef>
-                <a:spcPts val="0"/>
-              </a:spcBef>
-              <a:spcAft>
-                <a:spcPts val="0"/>
-              </a:spcAft>
-              <a:buNone/>
-            </a:pPr>
-            <a:r>
-              <a:rPr lang="pt-BR"/>
-              <a:t>The symbolic regression loop</a:t>
-            </a:r>
-            <a:endParaRPr/>
-          </a:p>
-        </p:txBody>
-      </p:sp>
-      <p:pic>
-        <p:nvPicPr>
-          <p:cNvPr id="113" name="Google Shape;113;p21"/>
-          <p:cNvPicPr preferRelativeResize="0"/>
-          <p:nvPr/>
-        </p:nvPicPr>
-        <p:blipFill>
-          <a:blip r:embed="rId3">
-            <a:alphaModFix/>
-          </a:blip>
-          <a:stretch>
-            <a:fillRect/>
-          </a:stretch>
-        </p:blipFill>
-        <p:spPr>
-          <a:xfrm>
-            <a:off x="965949" y="1486425"/>
-            <a:ext cx="7141601" cy="3096576"/>
           </a:xfrm>
           <a:prstGeom prst="rect">
             <a:avLst/>
